--- a/assets/lectures/cbw/2024/mini/RNASeq_MiniLecture_02_03_SAM_BAM_BED.pptx
+++ b/assets/lectures/cbw/2024/mini/RNASeq_MiniLecture_02_03_SAM_BAM_BED.pptx
@@ -219,7 +219,7 @@
           <a:p>
             <a:fld id="{3F074802-55CA-9B40-9191-B744CF71FA91}" type="datetimeFigureOut">
               <a:rPr lang="en-US" smtClean="0"/>
-              <a:t>7/16/23</a:t>
+              <a:t>6/16/24</a:t>
             </a:fld>
             <a:endParaRPr lang="en-US"/>
           </a:p>
@@ -1587,7 +1587,7 @@
   <p:clrMapOvr>
     <a:masterClrMapping/>
   </p:clrMapOvr>
-  <p:extLst mod="1">
+  <p:extLst>
     <p:ext uri="{DCECCB84-F9BA-43D5-87BE-67443E8EF086}">
       <p15:sldGuideLst xmlns:p15="http://schemas.microsoft.com/office/powerpoint/2012/main">
         <p15:guide id="1" orient="horz" pos="2160">
@@ -2281,14 +2281,14 @@
           </a:ln>
           <a:extLst>
             <a:ext uri="{909E8E84-426E-40dd-AFC4-6F175D3DCCD1}">
-              <a14:hiddenFill xmlns="" xmlns:a14="http://schemas.microsoft.com/office/drawing/2010/main">
+              <a14:hiddenFill xmlns:a14="http://schemas.microsoft.com/office/drawing/2010/main" xmlns="">
                 <a:solidFill>
                   <a:srgbClr val="FFFFFF"/>
                 </a:solidFill>
               </a14:hiddenFill>
             </a:ext>
             <a:ext uri="{91240B29-F687-4f45-9708-019B960494DF}">
-              <a14:hiddenLine xmlns="" xmlns:a14="http://schemas.microsoft.com/office/drawing/2010/main" w="9525">
+              <a14:hiddenLine xmlns:a14="http://schemas.microsoft.com/office/drawing/2010/main" xmlns="" w="9525">
                 <a:solidFill>
                   <a:srgbClr val="000000"/>
                 </a:solidFill>
@@ -2975,14 +2975,14 @@
           </a:ln>
           <a:extLst>
             <a:ext uri="{909E8E84-426E-40dd-AFC4-6F175D3DCCD1}">
-              <a14:hiddenFill xmlns="" xmlns:a14="http://schemas.microsoft.com/office/drawing/2010/main">
+              <a14:hiddenFill xmlns:a14="http://schemas.microsoft.com/office/drawing/2010/main" xmlns="">
                 <a:solidFill>
                   <a:srgbClr val="FFFFFF"/>
                 </a:solidFill>
               </a14:hiddenFill>
             </a:ext>
             <a:ext uri="{91240B29-F687-4f45-9708-019B960494DF}">
-              <a14:hiddenLine xmlns="" xmlns:a14="http://schemas.microsoft.com/office/drawing/2010/main" w="9525">
+              <a14:hiddenLine xmlns:a14="http://schemas.microsoft.com/office/drawing/2010/main" xmlns="" w="9525">
                 <a:solidFill>
                   <a:srgbClr val="000000"/>
                 </a:solidFill>
@@ -4495,14 +4495,14 @@
           </a:ln>
           <a:extLst>
             <a:ext uri="{909E8E84-426E-40dd-AFC4-6F175D3DCCD1}">
-              <a14:hiddenFill xmlns:a14="http://schemas.microsoft.com/office/drawing/2010/main" xmlns="">
+              <a14:hiddenFill xmlns="" xmlns:a14="http://schemas.microsoft.com/office/drawing/2010/main">
                 <a:solidFill>
                   <a:srgbClr val="FFFFFF"/>
                 </a:solidFill>
               </a14:hiddenFill>
             </a:ext>
             <a:ext uri="{91240B29-F687-4f45-9708-019B960494DF}">
-              <a14:hiddenLine xmlns:a14="http://schemas.microsoft.com/office/drawing/2010/main" xmlns="" w="9525">
+              <a14:hiddenLine xmlns="" xmlns:a14="http://schemas.microsoft.com/office/drawing/2010/main" w="9525">
                 <a:solidFill>
                   <a:srgbClr val="000000"/>
                 </a:solidFill>
@@ -5506,7 +5506,7 @@
               </a:ln>
               <a:extLst>
                 <a:ext uri="{C572A759-6A51-4108-AA02-DFA0A04FC94B}">
-                  <ma14:wrappingTextBoxFlag xmlns="" xmlns:m="http://schemas.openxmlformats.org/officeDocument/2006/math" xmlns:a14="http://schemas.microsoft.com/office/drawing/2010/main" xmlns:ma14="http://schemas.microsoft.com/office/mac/drawingml/2011/main" val="1"/>
+                  <ma14:wrappingTextBoxFlag xmlns:ma14="http://schemas.microsoft.com/office/mac/drawingml/2011/main" xmlns:a14="http://schemas.microsoft.com/office/drawing/2010/main" xmlns:m="http://schemas.openxmlformats.org/officeDocument/2006/math" xmlns="" val="1"/>
                 </a:ext>
               </a:extLst>
             </p:spPr>
@@ -5546,7 +5546,7 @@
               </a:ln>
               <a:extLst>
                 <a:ext uri="{C572A759-6A51-4108-AA02-DFA0A04FC94B}">
-                  <ma14:wrappingTextBoxFlag xmlns="" xmlns:m="http://schemas.openxmlformats.org/officeDocument/2006/math" xmlns:a14="http://schemas.microsoft.com/office/drawing/2010/main" xmlns:ma14="http://schemas.microsoft.com/office/mac/drawingml/2011/main" val="1"/>
+                  <ma14:wrappingTextBoxFlag xmlns:ma14="http://schemas.microsoft.com/office/mac/drawingml/2011/main" xmlns:a14="http://schemas.microsoft.com/office/drawing/2010/main" xmlns:m="http://schemas.openxmlformats.org/officeDocument/2006/math" xmlns="" val="1"/>
                 </a:ext>
               </a:extLst>
             </p:spPr>
@@ -5586,7 +5586,7 @@
               </a:ln>
               <a:extLst>
                 <a:ext uri="{C572A759-6A51-4108-AA02-DFA0A04FC94B}">
-                  <ma14:wrappingTextBoxFlag xmlns="" xmlns:m="http://schemas.openxmlformats.org/officeDocument/2006/math" xmlns:a14="http://schemas.microsoft.com/office/drawing/2010/main" xmlns:ma14="http://schemas.microsoft.com/office/mac/drawingml/2011/main" val="1"/>
+                  <ma14:wrappingTextBoxFlag xmlns:ma14="http://schemas.microsoft.com/office/mac/drawingml/2011/main" xmlns:a14="http://schemas.microsoft.com/office/drawing/2010/main" xmlns:m="http://schemas.openxmlformats.org/officeDocument/2006/math" xmlns="" val="1"/>
                 </a:ext>
               </a:extLst>
             </p:spPr>
@@ -5626,7 +5626,7 @@
               </a:ln>
               <a:extLst>
                 <a:ext uri="{C572A759-6A51-4108-AA02-DFA0A04FC94B}">
-                  <ma14:wrappingTextBoxFlag xmlns="" xmlns:m="http://schemas.openxmlformats.org/officeDocument/2006/math" xmlns:a14="http://schemas.microsoft.com/office/drawing/2010/main" xmlns:ma14="http://schemas.microsoft.com/office/mac/drawingml/2011/main" val="1"/>
+                  <ma14:wrappingTextBoxFlag xmlns:ma14="http://schemas.microsoft.com/office/mac/drawingml/2011/main" xmlns:a14="http://schemas.microsoft.com/office/drawing/2010/main" xmlns:m="http://schemas.openxmlformats.org/officeDocument/2006/math" xmlns="" val="1"/>
                 </a:ext>
               </a:extLst>
             </p:spPr>
@@ -5666,7 +5666,7 @@
               </a:ln>
               <a:extLst>
                 <a:ext uri="{C572A759-6A51-4108-AA02-DFA0A04FC94B}">
-                  <ma14:wrappingTextBoxFlag xmlns="" xmlns:m="http://schemas.openxmlformats.org/officeDocument/2006/math" xmlns:a14="http://schemas.microsoft.com/office/drawing/2010/main" xmlns:ma14="http://schemas.microsoft.com/office/mac/drawingml/2011/main" val="1"/>
+                  <ma14:wrappingTextBoxFlag xmlns:ma14="http://schemas.microsoft.com/office/mac/drawingml/2011/main" xmlns:a14="http://schemas.microsoft.com/office/drawing/2010/main" xmlns:m="http://schemas.openxmlformats.org/officeDocument/2006/math" xmlns="" val="1"/>
                 </a:ext>
               </a:extLst>
             </p:spPr>
@@ -5706,7 +5706,7 @@
               </a:ln>
               <a:extLst>
                 <a:ext uri="{C572A759-6A51-4108-AA02-DFA0A04FC94B}">
-                  <ma14:wrappingTextBoxFlag xmlns="" xmlns:m="http://schemas.openxmlformats.org/officeDocument/2006/math" xmlns:a14="http://schemas.microsoft.com/office/drawing/2010/main" xmlns:ma14="http://schemas.microsoft.com/office/mac/drawingml/2011/main" val="1"/>
+                  <ma14:wrappingTextBoxFlag xmlns:ma14="http://schemas.microsoft.com/office/mac/drawingml/2011/main" xmlns:a14="http://schemas.microsoft.com/office/drawing/2010/main" xmlns:m="http://schemas.openxmlformats.org/officeDocument/2006/math" xmlns="" val="1"/>
                 </a:ext>
               </a:extLst>
             </p:spPr>
@@ -5746,7 +5746,7 @@
               </a:ln>
               <a:extLst>
                 <a:ext uri="{C572A759-6A51-4108-AA02-DFA0A04FC94B}">
-                  <ma14:wrappingTextBoxFlag xmlns="" xmlns:m="http://schemas.openxmlformats.org/officeDocument/2006/math" xmlns:a14="http://schemas.microsoft.com/office/drawing/2010/main" xmlns:ma14="http://schemas.microsoft.com/office/mac/drawingml/2011/main" val="1"/>
+                  <ma14:wrappingTextBoxFlag xmlns:ma14="http://schemas.microsoft.com/office/mac/drawingml/2011/main" xmlns:a14="http://schemas.microsoft.com/office/drawing/2010/main" xmlns:m="http://schemas.openxmlformats.org/officeDocument/2006/math" xmlns="" val="1"/>
                 </a:ext>
               </a:extLst>
             </p:spPr>
@@ -5786,7 +5786,7 @@
               </a:ln>
               <a:extLst>
                 <a:ext uri="{C572A759-6A51-4108-AA02-DFA0A04FC94B}">
-                  <ma14:wrappingTextBoxFlag xmlns="" xmlns:m="http://schemas.openxmlformats.org/officeDocument/2006/math" xmlns:a14="http://schemas.microsoft.com/office/drawing/2010/main" xmlns:ma14="http://schemas.microsoft.com/office/mac/drawingml/2011/main" val="1"/>
+                  <ma14:wrappingTextBoxFlag xmlns:ma14="http://schemas.microsoft.com/office/mac/drawingml/2011/main" xmlns:a14="http://schemas.microsoft.com/office/drawing/2010/main" xmlns:m="http://schemas.openxmlformats.org/officeDocument/2006/math" xmlns="" val="1"/>
                 </a:ext>
               </a:extLst>
             </p:spPr>
@@ -5826,7 +5826,7 @@
               </a:ln>
               <a:extLst>
                 <a:ext uri="{C572A759-6A51-4108-AA02-DFA0A04FC94B}">
-                  <ma14:wrappingTextBoxFlag xmlns="" xmlns:m="http://schemas.openxmlformats.org/officeDocument/2006/math" xmlns:a14="http://schemas.microsoft.com/office/drawing/2010/main" xmlns:ma14="http://schemas.microsoft.com/office/mac/drawingml/2011/main" val="1"/>
+                  <ma14:wrappingTextBoxFlag xmlns:ma14="http://schemas.microsoft.com/office/mac/drawingml/2011/main" xmlns:a14="http://schemas.microsoft.com/office/drawing/2010/main" xmlns:m="http://schemas.openxmlformats.org/officeDocument/2006/math" xmlns="" val="1"/>
                 </a:ext>
               </a:extLst>
             </p:spPr>
@@ -5866,7 +5866,7 @@
               </a:ln>
               <a:extLst>
                 <a:ext uri="{C572A759-6A51-4108-AA02-DFA0A04FC94B}">
-                  <ma14:wrappingTextBoxFlag xmlns="" xmlns:m="http://schemas.openxmlformats.org/officeDocument/2006/math" xmlns:a14="http://schemas.microsoft.com/office/drawing/2010/main" xmlns:ma14="http://schemas.microsoft.com/office/mac/drawingml/2011/main" val="1"/>
+                  <ma14:wrappingTextBoxFlag xmlns:ma14="http://schemas.microsoft.com/office/mac/drawingml/2011/main" xmlns:a14="http://schemas.microsoft.com/office/drawing/2010/main" xmlns:m="http://schemas.openxmlformats.org/officeDocument/2006/math" xmlns="" val="1"/>
                 </a:ext>
               </a:extLst>
             </p:spPr>
@@ -6140,14 +6140,14 @@
           </a:ln>
           <a:extLst>
             <a:ext uri="{909E8E84-426E-40dd-AFC4-6F175D3DCCD1}">
-              <a14:hiddenFill xmlns:a14="http://schemas.microsoft.com/office/drawing/2010/main" xmlns="">
+              <a14:hiddenFill xmlns="" xmlns:a14="http://schemas.microsoft.com/office/drawing/2010/main">
                 <a:solidFill>
                   <a:srgbClr val="FFFFFF"/>
                 </a:solidFill>
               </a14:hiddenFill>
             </a:ext>
             <a:ext uri="{91240B29-F687-4f45-9708-019B960494DF}">
-              <a14:hiddenLine xmlns:a14="http://schemas.microsoft.com/office/drawing/2010/main" xmlns="" w="9525">
+              <a14:hiddenLine xmlns="" xmlns:a14="http://schemas.microsoft.com/office/drawing/2010/main" w="9525">
                 <a:solidFill>
                   <a:srgbClr val="000000"/>
                 </a:solidFill>
@@ -6556,7 +6556,7 @@
               </a:ln>
               <a:extLst>
                 <a:ext uri="{C572A759-6A51-4108-AA02-DFA0A04FC94B}">
-                  <ma14:wrappingTextBoxFlag xmlns="" xmlns:m="http://schemas.openxmlformats.org/officeDocument/2006/math" xmlns:a14="http://schemas.microsoft.com/office/drawing/2010/main" xmlns:ma14="http://schemas.microsoft.com/office/mac/drawingml/2011/main" val="1"/>
+                  <ma14:wrappingTextBoxFlag xmlns:ma14="http://schemas.microsoft.com/office/mac/drawingml/2011/main" xmlns:a14="http://schemas.microsoft.com/office/drawing/2010/main" xmlns:m="http://schemas.openxmlformats.org/officeDocument/2006/math" xmlns="" val="1"/>
                 </a:ext>
               </a:extLst>
             </p:spPr>
@@ -6596,7 +6596,7 @@
               </a:ln>
               <a:extLst>
                 <a:ext uri="{C572A759-6A51-4108-AA02-DFA0A04FC94B}">
-                  <ma14:wrappingTextBoxFlag xmlns="" xmlns:m="http://schemas.openxmlformats.org/officeDocument/2006/math" xmlns:a14="http://schemas.microsoft.com/office/drawing/2010/main" xmlns:ma14="http://schemas.microsoft.com/office/mac/drawingml/2011/main" val="1"/>
+                  <ma14:wrappingTextBoxFlag xmlns:ma14="http://schemas.microsoft.com/office/mac/drawingml/2011/main" xmlns:a14="http://schemas.microsoft.com/office/drawing/2010/main" xmlns:m="http://schemas.openxmlformats.org/officeDocument/2006/math" xmlns="" val="1"/>
                 </a:ext>
               </a:extLst>
             </p:spPr>
@@ -6636,7 +6636,7 @@
               </a:ln>
               <a:extLst>
                 <a:ext uri="{C572A759-6A51-4108-AA02-DFA0A04FC94B}">
-                  <ma14:wrappingTextBoxFlag xmlns="" xmlns:m="http://schemas.openxmlformats.org/officeDocument/2006/math" xmlns:a14="http://schemas.microsoft.com/office/drawing/2010/main" xmlns:ma14="http://schemas.microsoft.com/office/mac/drawingml/2011/main" val="1"/>
+                  <ma14:wrappingTextBoxFlag xmlns:ma14="http://schemas.microsoft.com/office/mac/drawingml/2011/main" xmlns:a14="http://schemas.microsoft.com/office/drawing/2010/main" xmlns:m="http://schemas.openxmlformats.org/officeDocument/2006/math" xmlns="" val="1"/>
                 </a:ext>
               </a:extLst>
             </p:spPr>
@@ -6676,7 +6676,7 @@
               </a:ln>
               <a:extLst>
                 <a:ext uri="{C572A759-6A51-4108-AA02-DFA0A04FC94B}">
-                  <ma14:wrappingTextBoxFlag xmlns="" xmlns:m="http://schemas.openxmlformats.org/officeDocument/2006/math" xmlns:a14="http://schemas.microsoft.com/office/drawing/2010/main" xmlns:ma14="http://schemas.microsoft.com/office/mac/drawingml/2011/main" val="1"/>
+                  <ma14:wrappingTextBoxFlag xmlns:ma14="http://schemas.microsoft.com/office/mac/drawingml/2011/main" xmlns:a14="http://schemas.microsoft.com/office/drawing/2010/main" xmlns:m="http://schemas.openxmlformats.org/officeDocument/2006/math" xmlns="" val="1"/>
                 </a:ext>
               </a:extLst>
             </p:spPr>
@@ -6716,7 +6716,7 @@
               </a:ln>
               <a:extLst>
                 <a:ext uri="{C572A759-6A51-4108-AA02-DFA0A04FC94B}">
-                  <ma14:wrappingTextBoxFlag xmlns="" xmlns:m="http://schemas.openxmlformats.org/officeDocument/2006/math" xmlns:a14="http://schemas.microsoft.com/office/drawing/2010/main" xmlns:ma14="http://schemas.microsoft.com/office/mac/drawingml/2011/main" val="1"/>
+                  <ma14:wrappingTextBoxFlag xmlns:ma14="http://schemas.microsoft.com/office/mac/drawingml/2011/main" xmlns:a14="http://schemas.microsoft.com/office/drawing/2010/main" xmlns:m="http://schemas.openxmlformats.org/officeDocument/2006/math" xmlns="" val="1"/>
                 </a:ext>
               </a:extLst>
             </p:spPr>
@@ -6756,7 +6756,7 @@
               </a:ln>
               <a:extLst>
                 <a:ext uri="{C572A759-6A51-4108-AA02-DFA0A04FC94B}">
-                  <ma14:wrappingTextBoxFlag xmlns="" xmlns:m="http://schemas.openxmlformats.org/officeDocument/2006/math" xmlns:a14="http://schemas.microsoft.com/office/drawing/2010/main" xmlns:ma14="http://schemas.microsoft.com/office/mac/drawingml/2011/main" val="1"/>
+                  <ma14:wrappingTextBoxFlag xmlns:ma14="http://schemas.microsoft.com/office/mac/drawingml/2011/main" xmlns:a14="http://schemas.microsoft.com/office/drawing/2010/main" xmlns:m="http://schemas.openxmlformats.org/officeDocument/2006/math" xmlns="" val="1"/>
                 </a:ext>
               </a:extLst>
             </p:spPr>
@@ -6796,7 +6796,7 @@
               </a:ln>
               <a:extLst>
                 <a:ext uri="{C572A759-6A51-4108-AA02-DFA0A04FC94B}">
-                  <ma14:wrappingTextBoxFlag xmlns="" xmlns:m="http://schemas.openxmlformats.org/officeDocument/2006/math" xmlns:a14="http://schemas.microsoft.com/office/drawing/2010/main" xmlns:ma14="http://schemas.microsoft.com/office/mac/drawingml/2011/main" val="1"/>
+                  <ma14:wrappingTextBoxFlag xmlns:ma14="http://schemas.microsoft.com/office/mac/drawingml/2011/main" xmlns:a14="http://schemas.microsoft.com/office/drawing/2010/main" xmlns:m="http://schemas.openxmlformats.org/officeDocument/2006/math" xmlns="" val="1"/>
                 </a:ext>
               </a:extLst>
             </p:spPr>
@@ -6836,7 +6836,7 @@
               </a:ln>
               <a:extLst>
                 <a:ext uri="{C572A759-6A51-4108-AA02-DFA0A04FC94B}">
-                  <ma14:wrappingTextBoxFlag xmlns="" xmlns:m="http://schemas.openxmlformats.org/officeDocument/2006/math" xmlns:a14="http://schemas.microsoft.com/office/drawing/2010/main" xmlns:ma14="http://schemas.microsoft.com/office/mac/drawingml/2011/main" val="1"/>
+                  <ma14:wrappingTextBoxFlag xmlns:ma14="http://schemas.microsoft.com/office/mac/drawingml/2011/main" xmlns:a14="http://schemas.microsoft.com/office/drawing/2010/main" xmlns:m="http://schemas.openxmlformats.org/officeDocument/2006/math" xmlns="" val="1"/>
                 </a:ext>
               </a:extLst>
             </p:spPr>
@@ -6876,7 +6876,7 @@
               </a:ln>
               <a:extLst>
                 <a:ext uri="{C572A759-6A51-4108-AA02-DFA0A04FC94B}">
-                  <ma14:wrappingTextBoxFlag xmlns="" xmlns:m="http://schemas.openxmlformats.org/officeDocument/2006/math" xmlns:a14="http://schemas.microsoft.com/office/drawing/2010/main" xmlns:ma14="http://schemas.microsoft.com/office/mac/drawingml/2011/main" val="1"/>
+                  <ma14:wrappingTextBoxFlag xmlns:ma14="http://schemas.microsoft.com/office/mac/drawingml/2011/main" xmlns:a14="http://schemas.microsoft.com/office/drawing/2010/main" xmlns:m="http://schemas.openxmlformats.org/officeDocument/2006/math" xmlns="" val="1"/>
                 </a:ext>
               </a:extLst>
             </p:spPr>
@@ -6916,7 +6916,7 @@
               </a:ln>
               <a:extLst>
                 <a:ext uri="{C572A759-6A51-4108-AA02-DFA0A04FC94B}">
-                  <ma14:wrappingTextBoxFlag xmlns="" xmlns:m="http://schemas.openxmlformats.org/officeDocument/2006/math" xmlns:a14="http://schemas.microsoft.com/office/drawing/2010/main" xmlns:ma14="http://schemas.microsoft.com/office/mac/drawingml/2011/main" val="1"/>
+                  <ma14:wrappingTextBoxFlag xmlns:ma14="http://schemas.microsoft.com/office/mac/drawingml/2011/main" xmlns:a14="http://schemas.microsoft.com/office/drawing/2010/main" xmlns:m="http://schemas.openxmlformats.org/officeDocument/2006/math" xmlns="" val="1"/>
                 </a:ext>
               </a:extLst>
             </p:spPr>
@@ -7178,14 +7178,14 @@
           </a:ln>
           <a:extLst>
             <a:ext uri="{909E8E84-426E-40dd-AFC4-6F175D3DCCD1}">
-              <a14:hiddenFill xmlns:a14="http://schemas.microsoft.com/office/drawing/2010/main" xmlns="">
+              <a14:hiddenFill xmlns="" xmlns:a14="http://schemas.microsoft.com/office/drawing/2010/main">
                 <a:solidFill>
                   <a:srgbClr val="FFFFFF"/>
                 </a:solidFill>
               </a14:hiddenFill>
             </a:ext>
             <a:ext uri="{91240B29-F687-4f45-9708-019B960494DF}">
-              <a14:hiddenLine xmlns:a14="http://schemas.microsoft.com/office/drawing/2010/main" xmlns="" w="9525">
+              <a14:hiddenLine xmlns="" xmlns:a14="http://schemas.microsoft.com/office/drawing/2010/main" w="9525">
                 <a:solidFill>
                   <a:srgbClr val="000000"/>
                 </a:solidFill>
@@ -13248,14 +13248,14 @@
           </a:ln>
           <a:extLst>
             <a:ext uri="{909E8E84-426E-40dd-AFC4-6F175D3DCCD1}">
-              <a14:hiddenFill xmlns="" xmlns:a14="http://schemas.microsoft.com/office/drawing/2010/main">
+              <a14:hiddenFill xmlns:a14="http://schemas.microsoft.com/office/drawing/2010/main" xmlns="">
                 <a:solidFill>
                   <a:srgbClr val="FFFFFF"/>
                 </a:solidFill>
               </a14:hiddenFill>
             </a:ext>
             <a:ext uri="{91240B29-F687-4f45-9708-019B960494DF}">
-              <a14:hiddenLine xmlns="" xmlns:a14="http://schemas.microsoft.com/office/drawing/2010/main" w="9525">
+              <a14:hiddenLine xmlns:a14="http://schemas.microsoft.com/office/drawing/2010/main" xmlns="" w="9525">
                 <a:solidFill>
                   <a:srgbClr val="000000"/>
                 </a:solidFill>
@@ -13347,7 +13347,35 @@
                 <a:latin typeface="Calibri"/>
                 <a:cs typeface="Calibri"/>
               </a:rPr>
-              <a:t>Obi Griffith and Malachi Griffith  </a:t>
+              <a:t>Malachi Griffith, Obi Griffith, Isabel </a:t>
+            </a:r>
+            <a:r>
+              <a:rPr lang="en-US" sz="1800" dirty="0" err="1">
+                <a:latin typeface="Calibri"/>
+                <a:cs typeface="Calibri"/>
+              </a:rPr>
+              <a:t>Risch</a:t>
+            </a:r>
+            <a:r>
+              <a:rPr lang="en-US" sz="1800" dirty="0">
+                <a:latin typeface="Calibri"/>
+                <a:cs typeface="Calibri"/>
+              </a:rPr>
+              <a:t>, Vida </a:t>
+            </a:r>
+            <a:r>
+              <a:rPr lang="en-US" sz="1800" dirty="0" err="1">
+                <a:latin typeface="Calibri"/>
+                <a:cs typeface="Calibri"/>
+              </a:rPr>
+              <a:t>Talebian</a:t>
+            </a:r>
+            <a:r>
+              <a:rPr lang="en-US" sz="1800" dirty="0">
+                <a:latin typeface="Calibri"/>
+                <a:cs typeface="Calibri"/>
+              </a:rPr>
+              <a:t>  </a:t>
             </a:r>
           </a:p>
           <a:p>
@@ -13366,35 +13394,7 @@
                 <a:latin typeface="Calibri"/>
                 <a:cs typeface="Calibri"/>
               </a:rPr>
-              <a:t>RNA-</a:t>
-            </a:r>
-            <a:r>
-              <a:rPr lang="en-US" sz="1800" dirty="0" err="1">
-                <a:ln w="1270">
-                  <a:solidFill>
-                    <a:schemeClr val="tx1">
-                      <a:alpha val="38000"/>
-                    </a:schemeClr>
-                  </a:solidFill>
-                </a:ln>
-                <a:latin typeface="Calibri"/>
-                <a:cs typeface="Calibri"/>
-              </a:rPr>
-              <a:t>seq</a:t>
-            </a:r>
-            <a:r>
-              <a:rPr lang="en-US" sz="1800" dirty="0">
-                <a:ln w="1270">
-                  <a:solidFill>
-                    <a:schemeClr val="tx1">
-                      <a:alpha val="38000"/>
-                    </a:schemeClr>
-                  </a:solidFill>
-                </a:ln>
-                <a:latin typeface="Calibri"/>
-                <a:cs typeface="Calibri"/>
-              </a:rPr>
-              <a:t> Analysis 2023. </a:t>
+              <a:t>RNA-seq Analysis 2024. </a:t>
             </a:r>
             <a:r>
               <a:rPr lang="en-US" sz="1600" dirty="0">
@@ -13408,7 +13408,7 @@
                 <a:latin typeface="Calibri"/>
                 <a:cs typeface="Calibri"/>
               </a:rPr>
-              <a:t>July 17-19, 2023</a:t>
+              <a:t>June 17-19, 2024</a:t>
             </a:r>
           </a:p>
         </p:txBody>
@@ -13744,14 +13744,14 @@
           </a:ln>
           <a:extLst>
             <a:ext uri="{909E8E84-426E-40dd-AFC4-6F175D3DCCD1}">
-              <a14:hiddenFill xmlns:a14="http://schemas.microsoft.com/office/drawing/2010/main" xmlns="">
+              <a14:hiddenFill xmlns="" xmlns:a14="http://schemas.microsoft.com/office/drawing/2010/main">
                 <a:solidFill>
                   <a:srgbClr val="FFFFFF"/>
                 </a:solidFill>
               </a14:hiddenFill>
             </a:ext>
             <a:ext uri="{91240B29-F687-4f45-9708-019B960494DF}">
-              <a14:hiddenLine xmlns:a14="http://schemas.microsoft.com/office/drawing/2010/main" xmlns="" w="9525">
+              <a14:hiddenLine xmlns="" xmlns:a14="http://schemas.microsoft.com/office/drawing/2010/main" w="9525">
                 <a:solidFill>
                   <a:srgbClr val="000000"/>
                 </a:solidFill>
@@ -13785,14 +13785,14 @@
           </a:ln>
           <a:extLst>
             <a:ext uri="{909E8E84-426E-40dd-AFC4-6F175D3DCCD1}">
-              <a14:hiddenFill xmlns:a14="http://schemas.microsoft.com/office/drawing/2010/main" xmlns="">
+              <a14:hiddenFill xmlns="" xmlns:a14="http://schemas.microsoft.com/office/drawing/2010/main">
                 <a:solidFill>
                   <a:srgbClr val="FFFFFF"/>
                 </a:solidFill>
               </a14:hiddenFill>
             </a:ext>
             <a:ext uri="{91240B29-F687-4f45-9708-019B960494DF}">
-              <a14:hiddenLine xmlns:a14="http://schemas.microsoft.com/office/drawing/2010/main" xmlns="" w="9525">
+              <a14:hiddenLine xmlns="" xmlns:a14="http://schemas.microsoft.com/office/drawing/2010/main" w="9525">
                 <a:solidFill>
                   <a:srgbClr val="000000"/>
                 </a:solidFill>
@@ -13946,14 +13946,14 @@
           </a:ln>
           <a:extLst>
             <a:ext uri="{909E8E84-426E-40dd-AFC4-6F175D3DCCD1}">
-              <a14:hiddenFill xmlns:a14="http://schemas.microsoft.com/office/drawing/2010/main" xmlns="">
+              <a14:hiddenFill xmlns="" xmlns:a14="http://schemas.microsoft.com/office/drawing/2010/main">
                 <a:solidFill>
                   <a:srgbClr val="FFFFFF"/>
                 </a:solidFill>
               </a14:hiddenFill>
             </a:ext>
             <a:ext uri="{91240B29-F687-4f45-9708-019B960494DF}">
-              <a14:hiddenLine xmlns:a14="http://schemas.microsoft.com/office/drawing/2010/main" xmlns="" w="9525">
+              <a14:hiddenLine xmlns="" xmlns:a14="http://schemas.microsoft.com/office/drawing/2010/main" w="9525">
                 <a:solidFill>
                   <a:srgbClr val="000000"/>
                 </a:solidFill>
@@ -14850,14 +14850,14 @@
           </a:ln>
           <a:extLst>
             <a:ext uri="{909E8E84-426E-40dd-AFC4-6F175D3DCCD1}">
-              <a14:hiddenFill xmlns="" xmlns:a14="http://schemas.microsoft.com/office/drawing/2010/main">
+              <a14:hiddenFill xmlns:a14="http://schemas.microsoft.com/office/drawing/2010/main" xmlns="">
                 <a:solidFill>
                   <a:srgbClr val="FFFFFF"/>
                 </a:solidFill>
               </a14:hiddenFill>
             </a:ext>
             <a:ext uri="{91240B29-F687-4f45-9708-019B960494DF}">
-              <a14:hiddenLine xmlns="" xmlns:a14="http://schemas.microsoft.com/office/drawing/2010/main" w="9525">
+              <a14:hiddenLine xmlns:a14="http://schemas.microsoft.com/office/drawing/2010/main" xmlns="" w="9525">
                 <a:solidFill>
                   <a:srgbClr val="000000"/>
                 </a:solidFill>
@@ -14935,14 +14935,14 @@
           </a:ln>
           <a:extLst>
             <a:ext uri="{909E8E84-426E-40dd-AFC4-6F175D3DCCD1}">
-              <a14:hiddenFill xmlns="" xmlns:a14="http://schemas.microsoft.com/office/drawing/2010/main">
+              <a14:hiddenFill xmlns:a14="http://schemas.microsoft.com/office/drawing/2010/main" xmlns="">
                 <a:solidFill>
                   <a:srgbClr val="FFFFFF"/>
                 </a:solidFill>
               </a14:hiddenFill>
             </a:ext>
             <a:ext uri="{91240B29-F687-4f45-9708-019B960494DF}">
-              <a14:hiddenLine xmlns="" xmlns:a14="http://schemas.microsoft.com/office/drawing/2010/main" w="9525">
+              <a14:hiddenLine xmlns:a14="http://schemas.microsoft.com/office/drawing/2010/main" xmlns="" w="9525">
                 <a:solidFill>
                   <a:srgbClr val="000000"/>
                 </a:solidFill>
@@ -15119,7 +15119,7 @@
             </a:ln>
             <a:extLst>
               <a:ext uri="{C572A759-6A51-4108-AA02-DFA0A04FC94B}">
-                <ma14:wrappingTextBoxFlag xmlns="" xmlns:m="http://schemas.openxmlformats.org/officeDocument/2006/math" xmlns:a14="http://schemas.microsoft.com/office/drawing/2010/main" xmlns:ma14="http://schemas.microsoft.com/office/mac/drawingml/2011/main" val="1"/>
+                <ma14:wrappingTextBoxFlag xmlns:ma14="http://schemas.microsoft.com/office/mac/drawingml/2011/main" xmlns:a14="http://schemas.microsoft.com/office/drawing/2010/main" xmlns:m="http://schemas.openxmlformats.org/officeDocument/2006/math" xmlns="" val="1"/>
               </a:ext>
             </a:extLst>
           </p:spPr>
@@ -15237,7 +15237,7 @@
             </a:ln>
             <a:extLst>
               <a:ext uri="{C572A759-6A51-4108-AA02-DFA0A04FC94B}">
-                <ma14:wrappingTextBoxFlag xmlns="" xmlns:m="http://schemas.openxmlformats.org/officeDocument/2006/math" xmlns:a14="http://schemas.microsoft.com/office/drawing/2010/main" xmlns:ma14="http://schemas.microsoft.com/office/mac/drawingml/2011/main" val="1"/>
+                <ma14:wrappingTextBoxFlag xmlns:ma14="http://schemas.microsoft.com/office/mac/drawingml/2011/main" xmlns:a14="http://schemas.microsoft.com/office/drawing/2010/main" xmlns:m="http://schemas.openxmlformats.org/officeDocument/2006/math" xmlns="" val="1"/>
               </a:ext>
             </a:extLst>
           </p:spPr>
@@ -15330,7 +15330,7 @@
             </a:ln>
             <a:extLst>
               <a:ext uri="{C572A759-6A51-4108-AA02-DFA0A04FC94B}">
-                <ma14:wrappingTextBoxFlag xmlns="" xmlns:m="http://schemas.openxmlformats.org/officeDocument/2006/math" xmlns:a14="http://schemas.microsoft.com/office/drawing/2010/main" xmlns:ma14="http://schemas.microsoft.com/office/mac/drawingml/2011/main" val="1"/>
+                <ma14:wrappingTextBoxFlag xmlns:ma14="http://schemas.microsoft.com/office/mac/drawingml/2011/main" xmlns:a14="http://schemas.microsoft.com/office/drawing/2010/main" xmlns:m="http://schemas.openxmlformats.org/officeDocument/2006/math" xmlns="" val="1"/>
               </a:ext>
             </a:extLst>
           </p:spPr>
@@ -15415,7 +15415,7 @@
             </a:ln>
             <a:extLst>
               <a:ext uri="{C572A759-6A51-4108-AA02-DFA0A04FC94B}">
-                <ma14:wrappingTextBoxFlag xmlns="" xmlns:m="http://schemas.openxmlformats.org/officeDocument/2006/math" xmlns:a14="http://schemas.microsoft.com/office/drawing/2010/main" xmlns:ma14="http://schemas.microsoft.com/office/mac/drawingml/2011/main" val="1"/>
+                <ma14:wrappingTextBoxFlag xmlns:ma14="http://schemas.microsoft.com/office/mac/drawingml/2011/main" xmlns:a14="http://schemas.microsoft.com/office/drawing/2010/main" xmlns:m="http://schemas.openxmlformats.org/officeDocument/2006/math" xmlns="" val="1"/>
               </a:ext>
             </a:extLst>
           </p:spPr>
@@ -15588,14 +15588,14 @@
           </a:ln>
           <a:extLst>
             <a:ext uri="{909E8E84-426E-40dd-AFC4-6F175D3DCCD1}">
-              <a14:hiddenFill xmlns="" xmlns:a14="http://schemas.microsoft.com/office/drawing/2010/main">
+              <a14:hiddenFill xmlns:a14="http://schemas.microsoft.com/office/drawing/2010/main" xmlns="">
                 <a:solidFill>
                   <a:srgbClr val="FFFFFF"/>
                 </a:solidFill>
               </a14:hiddenFill>
             </a:ext>
             <a:ext uri="{91240B29-F687-4f45-9708-019B960494DF}">
-              <a14:hiddenLine xmlns="" xmlns:a14="http://schemas.microsoft.com/office/drawing/2010/main" w="9525">
+              <a14:hiddenLine xmlns:a14="http://schemas.microsoft.com/office/drawing/2010/main" xmlns="" w="9525">
                 <a:solidFill>
                   <a:srgbClr val="000000"/>
                 </a:solidFill>
@@ -16068,14 +16068,14 @@
           </a:ln>
           <a:extLst>
             <a:ext uri="{909E8E84-426E-40dd-AFC4-6F175D3DCCD1}">
-              <a14:hiddenFill xmlns:a14="http://schemas.microsoft.com/office/drawing/2010/main" xmlns="">
+              <a14:hiddenFill xmlns="" xmlns:a14="http://schemas.microsoft.com/office/drawing/2010/main">
                 <a:solidFill>
                   <a:srgbClr val="FFFFFF"/>
                 </a:solidFill>
               </a14:hiddenFill>
             </a:ext>
             <a:ext uri="{91240B29-F687-4f45-9708-019B960494DF}">
-              <a14:hiddenLine xmlns:a14="http://schemas.microsoft.com/office/drawing/2010/main" xmlns="" w="9525">
+              <a14:hiddenLine xmlns="" xmlns:a14="http://schemas.microsoft.com/office/drawing/2010/main" w="9525">
                 <a:solidFill>
                   <a:srgbClr val="000000"/>
                 </a:solidFill>

--- a/assets/lectures/cbw/2024/mini/RNASeq_MiniLecture_02_03_SAM_BAM_BED.pptx
+++ b/assets/lectures/cbw/2024/mini/RNASeq_MiniLecture_02_03_SAM_BAM_BED.pptx
@@ -11990,7 +11990,13 @@
       </p:grpSpPr>
       <p:pic>
         <p:nvPicPr>
-          <p:cNvPr id="75" name="Google Shape;75;p2" descr="Picture 1.png"/>
+          <p:cNvPr id="2" name="Google Shape;131;p2">
+            <a:extLst>
+              <a:ext uri="{FF2B5EF4-FFF2-40B4-BE49-F238E27FC236}">
+                <a16:creationId xmlns:a16="http://schemas.microsoft.com/office/drawing/2014/main" id="{C83889DB-B6C1-2B24-D45E-E543AA713EE3}"/>
+              </a:ext>
+            </a:extLst>
+          </p:cNvPr>
           <p:cNvPicPr preferRelativeResize="0"/>
           <p:nvPr/>
         </p:nvPicPr>
@@ -12003,8 +12009,8 @@
         </p:blipFill>
         <p:spPr>
           <a:xfrm>
-            <a:off x="3135984" y="290447"/>
-            <a:ext cx="5920032" cy="5813143"/>
+            <a:off x="4095918" y="260648"/>
+            <a:ext cx="4000165" cy="6003046"/>
           </a:xfrm>
           <a:prstGeom prst="rect">
             <a:avLst/>
@@ -12822,10 +12828,10 @@
       </p:sp>
       <p:sp>
         <p:nvSpPr>
-          <p:cNvPr id="3" name="Google Shape;96;p5">
+          <p:cNvPr id="2" name="Google Shape;159;g24c7d206a1c_1_72">
             <a:extLst>
               <a:ext uri="{FF2B5EF4-FFF2-40B4-BE49-F238E27FC236}">
-                <a16:creationId xmlns:a16="http://schemas.microsoft.com/office/drawing/2014/main" id="{0B10FBC4-D27C-FD40-B9DB-3181A32D61BC}"/>
+                <a16:creationId xmlns:a16="http://schemas.microsoft.com/office/drawing/2014/main" id="{EAAFD93E-4184-713E-4EA5-CF0B0A35960B}"/>
               </a:ext>
             </a:extLst>
           </p:cNvPr>
@@ -12835,7 +12841,7 @@
         <p:spPr>
           <a:xfrm>
             <a:off x="2117124" y="3832139"/>
-            <a:ext cx="7951574" cy="300082"/>
+            <a:ext cx="7951500" cy="300000"/>
           </a:xfrm>
           <a:prstGeom prst="rect">
             <a:avLst/>
@@ -12851,11 +12857,25 @@
           </a:bodyPr>
           <a:lstStyle/>
           <a:p>
-            <a:pPr algn="ctr">
+            <a:pPr marL="0" marR="0" lvl="0" indent="0" algn="ctr" rtl="0">
+              <a:lnSpc>
+                <a:spcPct val="100000"/>
+              </a:lnSpc>
+              <a:spcBef>
+                <a:spcPts val="0"/>
+              </a:spcBef>
+              <a:spcAft>
+                <a:spcPts val="0"/>
+              </a:spcAft>
+              <a:buClr>
+                <a:srgbClr val="000000"/>
+              </a:buClr>
               <a:buSzPts val="1350"/>
+              <a:buFont typeface="Arial"/>
+              <a:buNone/>
             </a:pPr>
             <a:r>
-              <a:rPr lang="en-US" sz="1350">
+              <a:rPr lang="en-US" sz="1350" b="0" i="0" u="none" strike="noStrike" cap="none">
                 <a:solidFill>
                   <a:schemeClr val="dk1"/>
                 </a:solidFill>
@@ -12866,16 +12886,24 @@
               </a:rPr>
               <a:t>Workshop Sponsors:</a:t>
             </a:r>
-            <a:endParaRPr/>
+            <a:endParaRPr sz="1400" b="0" i="0" u="none" strike="noStrike" cap="none">
+              <a:solidFill>
+                <a:srgbClr val="000000"/>
+              </a:solidFill>
+              <a:latin typeface="Arial"/>
+              <a:ea typeface="Arial"/>
+              <a:cs typeface="Arial"/>
+              <a:sym typeface="Arial"/>
+            </a:endParaRPr>
           </a:p>
         </p:txBody>
       </p:sp>
       <p:pic>
         <p:nvPicPr>
-          <p:cNvPr id="4" name="Google Shape;97;p5">
+          <p:cNvPr id="8" name="Google Shape;160;g24c7d206a1c_1_72">
             <a:extLst>
               <a:ext uri="{FF2B5EF4-FFF2-40B4-BE49-F238E27FC236}">
-                <a16:creationId xmlns:a16="http://schemas.microsoft.com/office/drawing/2014/main" id="{6052956D-7369-E64D-AE8D-715B2C40FD84}"/>
+                <a16:creationId xmlns:a16="http://schemas.microsoft.com/office/drawing/2014/main" id="{7FA6CCDB-5E55-E815-369A-FC58133DF0D3}"/>
               </a:ext>
             </a:extLst>
           </p:cNvPr>
@@ -12891,7 +12919,7 @@
         </p:blipFill>
         <p:spPr>
           <a:xfrm>
-            <a:off x="7090774" y="4479553"/>
+            <a:off x="8025272" y="4403978"/>
             <a:ext cx="1105775" cy="795825"/>
           </a:xfrm>
           <a:prstGeom prst="rect">
@@ -12905,10 +12933,10 @@
       </p:pic>
       <p:pic>
         <p:nvPicPr>
-          <p:cNvPr id="5" name="Google Shape;98;p5">
+          <p:cNvPr id="9" name="Google Shape;161;g24c7d206a1c_1_72">
             <a:extLst>
               <a:ext uri="{FF2B5EF4-FFF2-40B4-BE49-F238E27FC236}">
-                <a16:creationId xmlns:a16="http://schemas.microsoft.com/office/drawing/2014/main" id="{34485072-5CBD-5542-8FDD-7BCC15FEBD9E}"/>
+                <a16:creationId xmlns:a16="http://schemas.microsoft.com/office/drawing/2014/main" id="{28F8C608-F380-3686-924C-931A09F0D3DF}"/>
               </a:ext>
             </a:extLst>
           </p:cNvPr>
@@ -12924,7 +12952,7 @@
         </p:blipFill>
         <p:spPr>
           <a:xfrm>
-            <a:off x="2126453" y="4645705"/>
+            <a:off x="3060951" y="4570130"/>
             <a:ext cx="2085975" cy="590550"/>
           </a:xfrm>
           <a:prstGeom prst="rect">
@@ -12938,10 +12966,10 @@
       </p:pic>
       <p:pic>
         <p:nvPicPr>
-          <p:cNvPr id="6" name="Google Shape;100;p5">
+          <p:cNvPr id="10" name="Google Shape;162;g24c7d206a1c_1_72">
             <a:extLst>
               <a:ext uri="{FF2B5EF4-FFF2-40B4-BE49-F238E27FC236}">
-                <a16:creationId xmlns:a16="http://schemas.microsoft.com/office/drawing/2014/main" id="{0F6BEBF3-BA7F-E044-893F-14E433C99FE4}"/>
+                <a16:creationId xmlns:a16="http://schemas.microsoft.com/office/drawing/2014/main" id="{55F5E134-ED29-D8CD-6A8F-447FFE2124E6}"/>
               </a:ext>
             </a:extLst>
           </p:cNvPr>
@@ -12957,7 +12985,7 @@
         </p:blipFill>
         <p:spPr>
           <a:xfrm>
-            <a:off x="4773672" y="4319015"/>
+            <a:off x="5708169" y="4243440"/>
             <a:ext cx="1869300" cy="1243925"/>
           </a:xfrm>
           <a:prstGeom prst="rect">
@@ -12971,32 +12999,68 @@
       </p:pic>
       <p:pic>
         <p:nvPicPr>
-          <p:cNvPr id="7" name="Picture 6" descr="A picture containing graphical user interface&#10;&#10;Description automatically generated">
+          <p:cNvPr id="11" name="Google Shape;163;g24c7d206a1c_1_72" descr="A picture containing graphical user interface&#10;&#10;Description automatically generated">
             <a:extLst>
               <a:ext uri="{FF2B5EF4-FFF2-40B4-BE49-F238E27FC236}">
-                <a16:creationId xmlns:a16="http://schemas.microsoft.com/office/drawing/2014/main" id="{8BEABAEB-4199-204C-A746-4DDB212BB493}"/>
+                <a16:creationId xmlns:a16="http://schemas.microsoft.com/office/drawing/2014/main" id="{ADD6352D-86CA-EE95-B43D-BDA2EA617B7C}"/>
               </a:ext>
             </a:extLst>
           </p:cNvPr>
-          <p:cNvPicPr>
-            <a:picLocks noChangeAspect="1"/>
-          </p:cNvPicPr>
+          <p:cNvPicPr preferRelativeResize="0"/>
           <p:nvPr/>
         </p:nvPicPr>
-        <p:blipFill>
-          <a:blip r:embed="rId6"/>
-          <a:stretch>
-            <a:fillRect/>
-          </a:stretch>
+        <p:blipFill rotWithShape="1">
+          <a:blip r:embed="rId6">
+            <a:alphaModFix/>
+          </a:blip>
+          <a:srcRect/>
+          <a:stretch/>
         </p:blipFill>
         <p:spPr>
           <a:xfrm>
-            <a:off x="8942610" y="4529349"/>
+            <a:off x="6502657" y="5353037"/>
             <a:ext cx="1143000" cy="685800"/>
           </a:xfrm>
           <a:prstGeom prst="rect">
             <a:avLst/>
           </a:prstGeom>
+          <a:noFill/>
+          <a:ln>
+            <a:noFill/>
+          </a:ln>
+        </p:spPr>
+      </p:pic>
+      <p:pic>
+        <p:nvPicPr>
+          <p:cNvPr id="12" name="Google Shape;164;g24c7d206a1c_1_72">
+            <a:extLst>
+              <a:ext uri="{FF2B5EF4-FFF2-40B4-BE49-F238E27FC236}">
+                <a16:creationId xmlns:a16="http://schemas.microsoft.com/office/drawing/2014/main" id="{CD6DF5B3-789F-6DF4-DD46-D64665E59490}"/>
+              </a:ext>
+            </a:extLst>
+          </p:cNvPr>
+          <p:cNvPicPr preferRelativeResize="0"/>
+          <p:nvPr/>
+        </p:nvPicPr>
+        <p:blipFill rotWithShape="1">
+          <a:blip r:embed="rId7">
+            <a:alphaModFix/>
+          </a:blip>
+          <a:srcRect/>
+          <a:stretch/>
+        </p:blipFill>
+        <p:spPr>
+          <a:xfrm>
+            <a:off x="4546337" y="5426596"/>
+            <a:ext cx="1311749" cy="538675"/>
+          </a:xfrm>
+          <a:prstGeom prst="rect">
+            <a:avLst/>
+          </a:prstGeom>
+          <a:noFill/>
+          <a:ln>
+            <a:noFill/>
+          </a:ln>
         </p:spPr>
       </p:pic>
     </p:spTree>

--- a/assets/lectures/cbw/2024/mini/RNASeq_MiniLecture_02_03_SAM_BAM_BED.pptx
+++ b/assets/lectures/cbw/2024/mini/RNASeq_MiniLecture_02_03_SAM_BAM_BED.pptx
@@ -22,14 +22,14 @@
     <p:sldId id="541" r:id="rId13"/>
     <p:sldId id="542" r:id="rId14"/>
     <p:sldId id="538" r:id="rId15"/>
-    <p:sldId id="534" r:id="rId16"/>
-    <p:sldId id="540" r:id="rId17"/>
-    <p:sldId id="535" r:id="rId18"/>
-    <p:sldId id="269" r:id="rId19"/>
-    <p:sldId id="310" r:id="rId20"/>
-    <p:sldId id="539" r:id="rId21"/>
-    <p:sldId id="309" r:id="rId22"/>
-    <p:sldId id="536" r:id="rId23"/>
+    <p:sldId id="536" r:id="rId16"/>
+    <p:sldId id="534" r:id="rId17"/>
+    <p:sldId id="540" r:id="rId18"/>
+    <p:sldId id="535" r:id="rId19"/>
+    <p:sldId id="269" r:id="rId20"/>
+    <p:sldId id="310" r:id="rId21"/>
+    <p:sldId id="539" r:id="rId22"/>
+    <p:sldId id="309" r:id="rId23"/>
     <p:sldId id="267" r:id="rId24"/>
   </p:sldIdLst>
   <p:sldSz cx="12192000" cy="6858000"/>
@@ -219,7 +219,7 @@
           <a:p>
             <a:fld id="{3F074802-55CA-9B40-9191-B744CF71FA91}" type="datetimeFigureOut">
               <a:rPr lang="en-US" smtClean="0"/>
-              <a:t>6/16/24</a:t>
+              <a:t>6/18/24</a:t>
             </a:fld>
             <a:endParaRPr lang="en-US"/>
           </a:p>
@@ -892,7 +892,7 @@
           <a:p>
             <a:fld id="{099D50AF-F628-504F-B99D-05BB4C0BF79D}" type="slidenum">
               <a:rPr lang="en-US" smtClean="0"/>
-              <a:t>21</a:t>
+              <a:t>22</a:t>
             </a:fld>
             <a:endParaRPr lang="en-US"/>
           </a:p>
@@ -2281,14 +2281,14 @@
           </a:ln>
           <a:extLst>
             <a:ext uri="{909E8E84-426E-40dd-AFC4-6F175D3DCCD1}">
-              <a14:hiddenFill xmlns:a14="http://schemas.microsoft.com/office/drawing/2010/main" xmlns="">
+              <a14:hiddenFill xmlns="" xmlns:a14="http://schemas.microsoft.com/office/drawing/2010/main">
                 <a:solidFill>
                   <a:srgbClr val="FFFFFF"/>
                 </a:solidFill>
               </a14:hiddenFill>
             </a:ext>
             <a:ext uri="{91240B29-F687-4f45-9708-019B960494DF}">
-              <a14:hiddenLine xmlns:a14="http://schemas.microsoft.com/office/drawing/2010/main" xmlns="" w="9525">
+              <a14:hiddenLine xmlns="" xmlns:a14="http://schemas.microsoft.com/office/drawing/2010/main" w="9525">
                 <a:solidFill>
                   <a:srgbClr val="000000"/>
                 </a:solidFill>
@@ -2975,14 +2975,14 @@
           </a:ln>
           <a:extLst>
             <a:ext uri="{909E8E84-426E-40dd-AFC4-6F175D3DCCD1}">
-              <a14:hiddenFill xmlns:a14="http://schemas.microsoft.com/office/drawing/2010/main" xmlns="">
+              <a14:hiddenFill xmlns="" xmlns:a14="http://schemas.microsoft.com/office/drawing/2010/main">
                 <a:solidFill>
                   <a:srgbClr val="FFFFFF"/>
                 </a:solidFill>
               </a14:hiddenFill>
             </a:ext>
             <a:ext uri="{91240B29-F687-4f45-9708-019B960494DF}">
-              <a14:hiddenLine xmlns:a14="http://schemas.microsoft.com/office/drawing/2010/main" xmlns="" w="9525">
+              <a14:hiddenLine xmlns="" xmlns:a14="http://schemas.microsoft.com/office/drawing/2010/main" w="9525">
                 <a:solidFill>
                   <a:srgbClr val="000000"/>
                 </a:solidFill>
@@ -4495,14 +4495,14 @@
           </a:ln>
           <a:extLst>
             <a:ext uri="{909E8E84-426E-40dd-AFC4-6F175D3DCCD1}">
-              <a14:hiddenFill xmlns="" xmlns:a14="http://schemas.microsoft.com/office/drawing/2010/main">
+              <a14:hiddenFill xmlns:a14="http://schemas.microsoft.com/office/drawing/2010/main" xmlns="">
                 <a:solidFill>
                   <a:srgbClr val="FFFFFF"/>
                 </a:solidFill>
               </a14:hiddenFill>
             </a:ext>
             <a:ext uri="{91240B29-F687-4f45-9708-019B960494DF}">
-              <a14:hiddenLine xmlns="" xmlns:a14="http://schemas.microsoft.com/office/drawing/2010/main" w="9525">
+              <a14:hiddenLine xmlns:a14="http://schemas.microsoft.com/office/drawing/2010/main" xmlns="" w="9525">
                 <a:solidFill>
                   <a:srgbClr val="000000"/>
                 </a:solidFill>
@@ -5506,7 +5506,7 @@
               </a:ln>
               <a:extLst>
                 <a:ext uri="{C572A759-6A51-4108-AA02-DFA0A04FC94B}">
-                  <ma14:wrappingTextBoxFlag xmlns:ma14="http://schemas.microsoft.com/office/mac/drawingml/2011/main" xmlns:a14="http://schemas.microsoft.com/office/drawing/2010/main" xmlns:m="http://schemas.openxmlformats.org/officeDocument/2006/math" xmlns="" val="1"/>
+                  <ma14:wrappingTextBoxFlag xmlns="" xmlns:m="http://schemas.openxmlformats.org/officeDocument/2006/math" xmlns:a14="http://schemas.microsoft.com/office/drawing/2010/main" xmlns:ma14="http://schemas.microsoft.com/office/mac/drawingml/2011/main" val="1"/>
                 </a:ext>
               </a:extLst>
             </p:spPr>
@@ -5546,7 +5546,7 @@
               </a:ln>
               <a:extLst>
                 <a:ext uri="{C572A759-6A51-4108-AA02-DFA0A04FC94B}">
-                  <ma14:wrappingTextBoxFlag xmlns:ma14="http://schemas.microsoft.com/office/mac/drawingml/2011/main" xmlns:a14="http://schemas.microsoft.com/office/drawing/2010/main" xmlns:m="http://schemas.openxmlformats.org/officeDocument/2006/math" xmlns="" val="1"/>
+                  <ma14:wrappingTextBoxFlag xmlns="" xmlns:m="http://schemas.openxmlformats.org/officeDocument/2006/math" xmlns:a14="http://schemas.microsoft.com/office/drawing/2010/main" xmlns:ma14="http://schemas.microsoft.com/office/mac/drawingml/2011/main" val="1"/>
                 </a:ext>
               </a:extLst>
             </p:spPr>
@@ -5586,7 +5586,7 @@
               </a:ln>
               <a:extLst>
                 <a:ext uri="{C572A759-6A51-4108-AA02-DFA0A04FC94B}">
-                  <ma14:wrappingTextBoxFlag xmlns:ma14="http://schemas.microsoft.com/office/mac/drawingml/2011/main" xmlns:a14="http://schemas.microsoft.com/office/drawing/2010/main" xmlns:m="http://schemas.openxmlformats.org/officeDocument/2006/math" xmlns="" val="1"/>
+                  <ma14:wrappingTextBoxFlag xmlns="" xmlns:m="http://schemas.openxmlformats.org/officeDocument/2006/math" xmlns:a14="http://schemas.microsoft.com/office/drawing/2010/main" xmlns:ma14="http://schemas.microsoft.com/office/mac/drawingml/2011/main" val="1"/>
                 </a:ext>
               </a:extLst>
             </p:spPr>
@@ -5626,7 +5626,7 @@
               </a:ln>
               <a:extLst>
                 <a:ext uri="{C572A759-6A51-4108-AA02-DFA0A04FC94B}">
-                  <ma14:wrappingTextBoxFlag xmlns:ma14="http://schemas.microsoft.com/office/mac/drawingml/2011/main" xmlns:a14="http://schemas.microsoft.com/office/drawing/2010/main" xmlns:m="http://schemas.openxmlformats.org/officeDocument/2006/math" xmlns="" val="1"/>
+                  <ma14:wrappingTextBoxFlag xmlns="" xmlns:m="http://schemas.openxmlformats.org/officeDocument/2006/math" xmlns:a14="http://schemas.microsoft.com/office/drawing/2010/main" xmlns:ma14="http://schemas.microsoft.com/office/mac/drawingml/2011/main" val="1"/>
                 </a:ext>
               </a:extLst>
             </p:spPr>
@@ -5666,7 +5666,7 @@
               </a:ln>
               <a:extLst>
                 <a:ext uri="{C572A759-6A51-4108-AA02-DFA0A04FC94B}">
-                  <ma14:wrappingTextBoxFlag xmlns:ma14="http://schemas.microsoft.com/office/mac/drawingml/2011/main" xmlns:a14="http://schemas.microsoft.com/office/drawing/2010/main" xmlns:m="http://schemas.openxmlformats.org/officeDocument/2006/math" xmlns="" val="1"/>
+                  <ma14:wrappingTextBoxFlag xmlns="" xmlns:m="http://schemas.openxmlformats.org/officeDocument/2006/math" xmlns:a14="http://schemas.microsoft.com/office/drawing/2010/main" xmlns:ma14="http://schemas.microsoft.com/office/mac/drawingml/2011/main" val="1"/>
                 </a:ext>
               </a:extLst>
             </p:spPr>
@@ -5706,7 +5706,7 @@
               </a:ln>
               <a:extLst>
                 <a:ext uri="{C572A759-6A51-4108-AA02-DFA0A04FC94B}">
-                  <ma14:wrappingTextBoxFlag xmlns:ma14="http://schemas.microsoft.com/office/mac/drawingml/2011/main" xmlns:a14="http://schemas.microsoft.com/office/drawing/2010/main" xmlns:m="http://schemas.openxmlformats.org/officeDocument/2006/math" xmlns="" val="1"/>
+                  <ma14:wrappingTextBoxFlag xmlns="" xmlns:m="http://schemas.openxmlformats.org/officeDocument/2006/math" xmlns:a14="http://schemas.microsoft.com/office/drawing/2010/main" xmlns:ma14="http://schemas.microsoft.com/office/mac/drawingml/2011/main" val="1"/>
                 </a:ext>
               </a:extLst>
             </p:spPr>
@@ -5746,7 +5746,7 @@
               </a:ln>
               <a:extLst>
                 <a:ext uri="{C572A759-6A51-4108-AA02-DFA0A04FC94B}">
-                  <ma14:wrappingTextBoxFlag xmlns:ma14="http://schemas.microsoft.com/office/mac/drawingml/2011/main" xmlns:a14="http://schemas.microsoft.com/office/drawing/2010/main" xmlns:m="http://schemas.openxmlformats.org/officeDocument/2006/math" xmlns="" val="1"/>
+                  <ma14:wrappingTextBoxFlag xmlns="" xmlns:m="http://schemas.openxmlformats.org/officeDocument/2006/math" xmlns:a14="http://schemas.microsoft.com/office/drawing/2010/main" xmlns:ma14="http://schemas.microsoft.com/office/mac/drawingml/2011/main" val="1"/>
                 </a:ext>
               </a:extLst>
             </p:spPr>
@@ -5786,7 +5786,7 @@
               </a:ln>
               <a:extLst>
                 <a:ext uri="{C572A759-6A51-4108-AA02-DFA0A04FC94B}">
-                  <ma14:wrappingTextBoxFlag xmlns:ma14="http://schemas.microsoft.com/office/mac/drawingml/2011/main" xmlns:a14="http://schemas.microsoft.com/office/drawing/2010/main" xmlns:m="http://schemas.openxmlformats.org/officeDocument/2006/math" xmlns="" val="1"/>
+                  <ma14:wrappingTextBoxFlag xmlns="" xmlns:m="http://schemas.openxmlformats.org/officeDocument/2006/math" xmlns:a14="http://schemas.microsoft.com/office/drawing/2010/main" xmlns:ma14="http://schemas.microsoft.com/office/mac/drawingml/2011/main" val="1"/>
                 </a:ext>
               </a:extLst>
             </p:spPr>
@@ -5826,7 +5826,7 @@
               </a:ln>
               <a:extLst>
                 <a:ext uri="{C572A759-6A51-4108-AA02-DFA0A04FC94B}">
-                  <ma14:wrappingTextBoxFlag xmlns:ma14="http://schemas.microsoft.com/office/mac/drawingml/2011/main" xmlns:a14="http://schemas.microsoft.com/office/drawing/2010/main" xmlns:m="http://schemas.openxmlformats.org/officeDocument/2006/math" xmlns="" val="1"/>
+                  <ma14:wrappingTextBoxFlag xmlns="" xmlns:m="http://schemas.openxmlformats.org/officeDocument/2006/math" xmlns:a14="http://schemas.microsoft.com/office/drawing/2010/main" xmlns:ma14="http://schemas.microsoft.com/office/mac/drawingml/2011/main" val="1"/>
                 </a:ext>
               </a:extLst>
             </p:spPr>
@@ -5866,7 +5866,7 @@
               </a:ln>
               <a:extLst>
                 <a:ext uri="{C572A759-6A51-4108-AA02-DFA0A04FC94B}">
-                  <ma14:wrappingTextBoxFlag xmlns:ma14="http://schemas.microsoft.com/office/mac/drawingml/2011/main" xmlns:a14="http://schemas.microsoft.com/office/drawing/2010/main" xmlns:m="http://schemas.openxmlformats.org/officeDocument/2006/math" xmlns="" val="1"/>
+                  <ma14:wrappingTextBoxFlag xmlns="" xmlns:m="http://schemas.openxmlformats.org/officeDocument/2006/math" xmlns:a14="http://schemas.microsoft.com/office/drawing/2010/main" xmlns:ma14="http://schemas.microsoft.com/office/mac/drawingml/2011/main" val="1"/>
                 </a:ext>
               </a:extLst>
             </p:spPr>
@@ -6104,7 +6104,7 @@
             </a:r>
             <a:r>
               <a:rPr lang="en-US" sz="1800" dirty="0"/>
-              <a:t>-1).  This number is used in the BAM/SAM file.  </a:t>
+              <a:t>).  This number is used in the BAM/SAM file.  </a:t>
             </a:r>
           </a:p>
           <a:p>
@@ -6140,14 +6140,14 @@
           </a:ln>
           <a:extLst>
             <a:ext uri="{909E8E84-426E-40dd-AFC4-6F175D3DCCD1}">
-              <a14:hiddenFill xmlns="" xmlns:a14="http://schemas.microsoft.com/office/drawing/2010/main">
+              <a14:hiddenFill xmlns:a14="http://schemas.microsoft.com/office/drawing/2010/main" xmlns="">
                 <a:solidFill>
                   <a:srgbClr val="FFFFFF"/>
                 </a:solidFill>
               </a14:hiddenFill>
             </a:ext>
             <a:ext uri="{91240B29-F687-4f45-9708-019B960494DF}">
-              <a14:hiddenLine xmlns="" xmlns:a14="http://schemas.microsoft.com/office/drawing/2010/main" w="9525">
+              <a14:hiddenLine xmlns:a14="http://schemas.microsoft.com/office/drawing/2010/main" xmlns="" w="9525">
                 <a:solidFill>
                   <a:srgbClr val="000000"/>
                 </a:solidFill>
@@ -6556,7 +6556,7 @@
               </a:ln>
               <a:extLst>
                 <a:ext uri="{C572A759-6A51-4108-AA02-DFA0A04FC94B}">
-                  <ma14:wrappingTextBoxFlag xmlns:ma14="http://schemas.microsoft.com/office/mac/drawingml/2011/main" xmlns:a14="http://schemas.microsoft.com/office/drawing/2010/main" xmlns:m="http://schemas.openxmlformats.org/officeDocument/2006/math" xmlns="" val="1"/>
+                  <ma14:wrappingTextBoxFlag xmlns="" xmlns:m="http://schemas.openxmlformats.org/officeDocument/2006/math" xmlns:a14="http://schemas.microsoft.com/office/drawing/2010/main" xmlns:ma14="http://schemas.microsoft.com/office/mac/drawingml/2011/main" val="1"/>
                 </a:ext>
               </a:extLst>
             </p:spPr>
@@ -6596,7 +6596,7 @@
               </a:ln>
               <a:extLst>
                 <a:ext uri="{C572A759-6A51-4108-AA02-DFA0A04FC94B}">
-                  <ma14:wrappingTextBoxFlag xmlns:ma14="http://schemas.microsoft.com/office/mac/drawingml/2011/main" xmlns:a14="http://schemas.microsoft.com/office/drawing/2010/main" xmlns:m="http://schemas.openxmlformats.org/officeDocument/2006/math" xmlns="" val="1"/>
+                  <ma14:wrappingTextBoxFlag xmlns="" xmlns:m="http://schemas.openxmlformats.org/officeDocument/2006/math" xmlns:a14="http://schemas.microsoft.com/office/drawing/2010/main" xmlns:ma14="http://schemas.microsoft.com/office/mac/drawingml/2011/main" val="1"/>
                 </a:ext>
               </a:extLst>
             </p:spPr>
@@ -6636,7 +6636,7 @@
               </a:ln>
               <a:extLst>
                 <a:ext uri="{C572A759-6A51-4108-AA02-DFA0A04FC94B}">
-                  <ma14:wrappingTextBoxFlag xmlns:ma14="http://schemas.microsoft.com/office/mac/drawingml/2011/main" xmlns:a14="http://schemas.microsoft.com/office/drawing/2010/main" xmlns:m="http://schemas.openxmlformats.org/officeDocument/2006/math" xmlns="" val="1"/>
+                  <ma14:wrappingTextBoxFlag xmlns="" xmlns:m="http://schemas.openxmlformats.org/officeDocument/2006/math" xmlns:a14="http://schemas.microsoft.com/office/drawing/2010/main" xmlns:ma14="http://schemas.microsoft.com/office/mac/drawingml/2011/main" val="1"/>
                 </a:ext>
               </a:extLst>
             </p:spPr>
@@ -6676,7 +6676,7 @@
               </a:ln>
               <a:extLst>
                 <a:ext uri="{C572A759-6A51-4108-AA02-DFA0A04FC94B}">
-                  <ma14:wrappingTextBoxFlag xmlns:ma14="http://schemas.microsoft.com/office/mac/drawingml/2011/main" xmlns:a14="http://schemas.microsoft.com/office/drawing/2010/main" xmlns:m="http://schemas.openxmlformats.org/officeDocument/2006/math" xmlns="" val="1"/>
+                  <ma14:wrappingTextBoxFlag xmlns="" xmlns:m="http://schemas.openxmlformats.org/officeDocument/2006/math" xmlns:a14="http://schemas.microsoft.com/office/drawing/2010/main" xmlns:ma14="http://schemas.microsoft.com/office/mac/drawingml/2011/main" val="1"/>
                 </a:ext>
               </a:extLst>
             </p:spPr>
@@ -6716,7 +6716,7 @@
               </a:ln>
               <a:extLst>
                 <a:ext uri="{C572A759-6A51-4108-AA02-DFA0A04FC94B}">
-                  <ma14:wrappingTextBoxFlag xmlns:ma14="http://schemas.microsoft.com/office/mac/drawingml/2011/main" xmlns:a14="http://schemas.microsoft.com/office/drawing/2010/main" xmlns:m="http://schemas.openxmlformats.org/officeDocument/2006/math" xmlns="" val="1"/>
+                  <ma14:wrappingTextBoxFlag xmlns="" xmlns:m="http://schemas.openxmlformats.org/officeDocument/2006/math" xmlns:a14="http://schemas.microsoft.com/office/drawing/2010/main" xmlns:ma14="http://schemas.microsoft.com/office/mac/drawingml/2011/main" val="1"/>
                 </a:ext>
               </a:extLst>
             </p:spPr>
@@ -6756,7 +6756,7 @@
               </a:ln>
               <a:extLst>
                 <a:ext uri="{C572A759-6A51-4108-AA02-DFA0A04FC94B}">
-                  <ma14:wrappingTextBoxFlag xmlns:ma14="http://schemas.microsoft.com/office/mac/drawingml/2011/main" xmlns:a14="http://schemas.microsoft.com/office/drawing/2010/main" xmlns:m="http://schemas.openxmlformats.org/officeDocument/2006/math" xmlns="" val="1"/>
+                  <ma14:wrappingTextBoxFlag xmlns="" xmlns:m="http://schemas.openxmlformats.org/officeDocument/2006/math" xmlns:a14="http://schemas.microsoft.com/office/drawing/2010/main" xmlns:ma14="http://schemas.microsoft.com/office/mac/drawingml/2011/main" val="1"/>
                 </a:ext>
               </a:extLst>
             </p:spPr>
@@ -6796,7 +6796,7 @@
               </a:ln>
               <a:extLst>
                 <a:ext uri="{C572A759-6A51-4108-AA02-DFA0A04FC94B}">
-                  <ma14:wrappingTextBoxFlag xmlns:ma14="http://schemas.microsoft.com/office/mac/drawingml/2011/main" xmlns:a14="http://schemas.microsoft.com/office/drawing/2010/main" xmlns:m="http://schemas.openxmlformats.org/officeDocument/2006/math" xmlns="" val="1"/>
+                  <ma14:wrappingTextBoxFlag xmlns="" xmlns:m="http://schemas.openxmlformats.org/officeDocument/2006/math" xmlns:a14="http://schemas.microsoft.com/office/drawing/2010/main" xmlns:ma14="http://schemas.microsoft.com/office/mac/drawingml/2011/main" val="1"/>
                 </a:ext>
               </a:extLst>
             </p:spPr>
@@ -6836,7 +6836,7 @@
               </a:ln>
               <a:extLst>
                 <a:ext uri="{C572A759-6A51-4108-AA02-DFA0A04FC94B}">
-                  <ma14:wrappingTextBoxFlag xmlns:ma14="http://schemas.microsoft.com/office/mac/drawingml/2011/main" xmlns:a14="http://schemas.microsoft.com/office/drawing/2010/main" xmlns:m="http://schemas.openxmlformats.org/officeDocument/2006/math" xmlns="" val="1"/>
+                  <ma14:wrappingTextBoxFlag xmlns="" xmlns:m="http://schemas.openxmlformats.org/officeDocument/2006/math" xmlns:a14="http://schemas.microsoft.com/office/drawing/2010/main" xmlns:ma14="http://schemas.microsoft.com/office/mac/drawingml/2011/main" val="1"/>
                 </a:ext>
               </a:extLst>
             </p:spPr>
@@ -6876,7 +6876,7 @@
               </a:ln>
               <a:extLst>
                 <a:ext uri="{C572A759-6A51-4108-AA02-DFA0A04FC94B}">
-                  <ma14:wrappingTextBoxFlag xmlns:ma14="http://schemas.microsoft.com/office/mac/drawingml/2011/main" xmlns:a14="http://schemas.microsoft.com/office/drawing/2010/main" xmlns:m="http://schemas.openxmlformats.org/officeDocument/2006/math" xmlns="" val="1"/>
+                  <ma14:wrappingTextBoxFlag xmlns="" xmlns:m="http://schemas.openxmlformats.org/officeDocument/2006/math" xmlns:a14="http://schemas.microsoft.com/office/drawing/2010/main" xmlns:ma14="http://schemas.microsoft.com/office/mac/drawingml/2011/main" val="1"/>
                 </a:ext>
               </a:extLst>
             </p:spPr>
@@ -6916,7 +6916,7 @@
               </a:ln>
               <a:extLst>
                 <a:ext uri="{C572A759-6A51-4108-AA02-DFA0A04FC94B}">
-                  <ma14:wrappingTextBoxFlag xmlns:ma14="http://schemas.microsoft.com/office/mac/drawingml/2011/main" xmlns:a14="http://schemas.microsoft.com/office/drawing/2010/main" xmlns:m="http://schemas.openxmlformats.org/officeDocument/2006/math" xmlns="" val="1"/>
+                  <ma14:wrappingTextBoxFlag xmlns="" xmlns:m="http://schemas.openxmlformats.org/officeDocument/2006/math" xmlns:a14="http://schemas.microsoft.com/office/drawing/2010/main" xmlns:ma14="http://schemas.microsoft.com/office/mac/drawingml/2011/main" val="1"/>
                 </a:ext>
               </a:extLst>
             </p:spPr>
@@ -7178,14 +7178,14 @@
           </a:ln>
           <a:extLst>
             <a:ext uri="{909E8E84-426E-40dd-AFC4-6F175D3DCCD1}">
-              <a14:hiddenFill xmlns="" xmlns:a14="http://schemas.microsoft.com/office/drawing/2010/main">
+              <a14:hiddenFill xmlns:a14="http://schemas.microsoft.com/office/drawing/2010/main" xmlns="">
                 <a:solidFill>
                   <a:srgbClr val="FFFFFF"/>
                 </a:solidFill>
               </a14:hiddenFill>
             </a:ext>
             <a:ext uri="{91240B29-F687-4f45-9708-019B960494DF}">
-              <a14:hiddenLine xmlns="" xmlns:a14="http://schemas.microsoft.com/office/drawing/2010/main" w="9525">
+              <a14:hiddenLine xmlns:a14="http://schemas.microsoft.com/office/drawing/2010/main" xmlns="" w="9525">
                 <a:solidFill>
                   <a:srgbClr val="000000"/>
                 </a:solidFill>
@@ -7744,7 +7744,7 @@
       </p:grpSpPr>
       <p:sp>
         <p:nvSpPr>
-          <p:cNvPr id="29697" name="Title 1"/>
+          <p:cNvPr id="31745" name="Title 1"/>
           <p:cNvSpPr>
             <a:spLocks noGrp="1"/>
           </p:cNvSpPr>
@@ -7754,7 +7754,7 @@
         </p:nvSpPr>
         <p:spPr>
           <a:xfrm>
-            <a:off x="1676400" y="-17463"/>
+            <a:off x="1676400" y="-26988"/>
             <a:ext cx="8839200" cy="1143001"/>
           </a:xfrm>
         </p:spPr>
@@ -7768,14 +7768,14 @@
                 <a:latin typeface="Calibri" charset="0"/>
                 <a:ea typeface="ＭＳ Ｐゴシック" charset="0"/>
               </a:rPr>
-              <a:t>Introduction to the BED format</a:t>
+              <a:t>How should I sort my SAM/BAM file?</a:t>
             </a:r>
           </a:p>
         </p:txBody>
       </p:sp>
       <p:sp>
         <p:nvSpPr>
-          <p:cNvPr id="28674" name="Content Placeholder 2"/>
+          <p:cNvPr id="31746" name="Content Placeholder 2"/>
           <p:cNvSpPr>
             <a:spLocks noGrp="1"/>
           </p:cNvSpPr>
@@ -7785,37 +7785,47 @@
         </p:nvSpPr>
         <p:spPr>
           <a:xfrm>
-            <a:off x="1676400" y="1218405"/>
-            <a:ext cx="8839200" cy="4984431"/>
+            <a:off x="1676400" y="1116013"/>
+            <a:ext cx="8839200" cy="4949825"/>
           </a:xfrm>
         </p:spPr>
         <p:txBody>
-          <a:bodyPr>
-            <a:normAutofit lnSpcReduction="10000"/>
-          </a:bodyPr>
+          <a:bodyPr/>
           <a:lstStyle/>
           <a:p>
-            <a:pPr>
-              <a:defRPr/>
-            </a:pPr>
             <a:r>
               <a:rPr lang="en-US" dirty="0">
                 <a:latin typeface="Calibri" charset="0"/>
                 <a:ea typeface="ＭＳ Ｐゴシック" charset="0"/>
               </a:rPr>
-              <a:t>When working with BAM files, it is very common to want to examine a focused subset of the reference genome</a:t>
-            </a:r>
-          </a:p>
-          <a:p>
-            <a:pPr lvl="1">
-              <a:defRPr/>
-            </a:pPr>
+              <a:t>Generally BAM files are sorted by </a:t>
+            </a:r>
+            <a:r>
+              <a:rPr lang="en-US" u="sng" dirty="0">
+                <a:latin typeface="Calibri" charset="0"/>
+                <a:ea typeface="ＭＳ Ｐゴシック" charset="0"/>
+              </a:rPr>
+              <a:t>position</a:t>
+            </a:r>
+          </a:p>
+          <a:p>
+            <a:pPr lvl="1"/>
             <a:r>
               <a:rPr lang="en-US" dirty="0">
                 <a:latin typeface="Calibri" charset="0"/>
                 <a:ea typeface="ＭＳ Ｐゴシック" charset="0"/>
               </a:rPr>
-              <a:t>e.g. the exons of a gene</a:t>
+              <a:t>This is for performance reasons</a:t>
+            </a:r>
+          </a:p>
+          <a:p>
+            <a:pPr lvl="2"/>
+            <a:r>
+              <a:rPr lang="en-US" dirty="0">
+                <a:latin typeface="Calibri" charset="0"/>
+                <a:ea typeface="ＭＳ Ｐゴシック" charset="0"/>
+              </a:rPr>
+              <a:t>When sorted and indexed, arbitrary positions in a massive BAM file can be accessed rapidly</a:t>
             </a:r>
             <a:br>
               <a:rPr lang="en-US" dirty="0">
@@ -7829,96 +7839,49 @@
             </a:endParaRPr>
           </a:p>
           <a:p>
-            <a:pPr>
-              <a:defRPr/>
-            </a:pPr>
             <a:r>
               <a:rPr lang="en-US" dirty="0">
                 <a:latin typeface="Calibri" charset="0"/>
                 <a:ea typeface="ＭＳ Ｐゴシック" charset="0"/>
               </a:rPr>
-              <a:t>These subsets are commonly specified in ‘BED’ files</a:t>
-            </a:r>
-          </a:p>
-          <a:p>
-            <a:pPr lvl="1">
-              <a:defRPr/>
-            </a:pPr>
+              <a:t>Certain tools require a BAM sorted by </a:t>
+            </a:r>
+            <a:r>
+              <a:rPr lang="en-US" u="sng" dirty="0">
+                <a:latin typeface="Calibri" charset="0"/>
+                <a:ea typeface="ＭＳ Ｐゴシック" charset="0"/>
+              </a:rPr>
+              <a:t>read name</a:t>
+            </a:r>
+          </a:p>
+          <a:p>
+            <a:pPr lvl="1"/>
             <a:r>
               <a:rPr lang="en-US" dirty="0">
                 <a:latin typeface="Calibri" charset="0"/>
                 <a:ea typeface="ＭＳ Ｐゴシック" charset="0"/>
-                <a:hlinkClick r:id="rId2"/>
-              </a:rPr>
-              <a:t>https://genome.ucsc.edu/FAQ/FAQformat.html#format1</a:t>
-            </a:r>
-            <a:br>
+              </a:rPr>
+              <a:t>Usually this is when we need to easily identify both reads of a pair</a:t>
+            </a:r>
+          </a:p>
+          <a:p>
+            <a:pPr lvl="2"/>
+            <a:r>
               <a:rPr lang="en-US" dirty="0">
                 <a:latin typeface="Calibri" charset="0"/>
                 <a:ea typeface="ＭＳ Ｐゴシック" charset="0"/>
               </a:rPr>
-            </a:br>
-            <a:endParaRPr lang="en-US" dirty="0">
-              <a:latin typeface="Calibri" charset="0"/>
-              <a:ea typeface="ＭＳ Ｐゴシック" charset="0"/>
-            </a:endParaRPr>
-          </a:p>
-          <a:p>
-            <a:pPr>
-              <a:defRPr/>
-            </a:pPr>
+              <a:t>The insert size between two reads may be large</a:t>
+            </a:r>
+          </a:p>
+          <a:p>
+            <a:pPr lvl="2"/>
             <a:r>
               <a:rPr lang="en-US" dirty="0">
                 <a:latin typeface="Calibri" charset="0"/>
                 <a:ea typeface="ＭＳ Ｐゴシック" charset="0"/>
               </a:rPr>
-              <a:t>Many BAM manipulation tools accept regions of interest in BED format</a:t>
-            </a:r>
-            <a:br>
-              <a:rPr lang="en-US" dirty="0">
-                <a:latin typeface="Calibri" charset="0"/>
-                <a:ea typeface="ＭＳ Ｐゴシック" charset="0"/>
-              </a:rPr>
-            </a:br>
-            <a:endParaRPr lang="en-US" dirty="0">
-              <a:latin typeface="Calibri" charset="0"/>
-              <a:ea typeface="ＭＳ Ｐゴシック" charset="0"/>
-            </a:endParaRPr>
-          </a:p>
-          <a:p>
-            <a:pPr>
-              <a:defRPr/>
-            </a:pPr>
-            <a:r>
-              <a:rPr lang="en-US" dirty="0">
-                <a:latin typeface="Calibri" charset="0"/>
-                <a:ea typeface="ＭＳ Ｐゴシック" charset="0"/>
-              </a:rPr>
-              <a:t>Basic BED format (tab separated):</a:t>
-            </a:r>
-          </a:p>
-          <a:p>
-            <a:pPr lvl="1">
-              <a:defRPr/>
-            </a:pPr>
-            <a:r>
-              <a:rPr lang="en-US" dirty="0">
-                <a:latin typeface="Calibri" charset="0"/>
-                <a:ea typeface="ＭＳ Ｐゴシック" charset="0"/>
-              </a:rPr>
-              <a:t>Chromosome name, start position, end position (BED3)</a:t>
-            </a:r>
-          </a:p>
-          <a:p>
-            <a:pPr lvl="1">
-              <a:defRPr/>
-            </a:pPr>
-            <a:r>
-              <a:rPr lang="en-US" dirty="0">
-                <a:latin typeface="Calibri" charset="0"/>
-                <a:ea typeface="ＭＳ Ｐゴシック" charset="0"/>
-              </a:rPr>
-              <a:t>Coordinates in BED format are 0 based</a:t>
+              <a:t>In fusion detection we are interested in read pairs that map to different chromosomes</a:t>
             </a:r>
           </a:p>
         </p:txBody>
@@ -7926,7 +7889,7 @@
     </p:spTree>
     <p:extLst>
       <p:ext uri="{BB962C8B-B14F-4D97-AF65-F5344CB8AC3E}">
-        <p14:creationId xmlns:p14="http://schemas.microsoft.com/office/powerpoint/2010/main" val="1626480069"/>
+        <p14:creationId xmlns:p14="http://schemas.microsoft.com/office/powerpoint/2010/main" val="2140373384"/>
       </p:ext>
     </p:extLst>
   </p:cSld>
@@ -7996,6 +7959,217 @@
         </p:nvSpPr>
         <p:spPr>
           <a:xfrm>
+            <a:off x="1676400" y="1218405"/>
+            <a:ext cx="8839200" cy="4984431"/>
+          </a:xfrm>
+        </p:spPr>
+        <p:txBody>
+          <a:bodyPr>
+            <a:normAutofit lnSpcReduction="10000"/>
+          </a:bodyPr>
+          <a:lstStyle/>
+          <a:p>
+            <a:pPr>
+              <a:defRPr/>
+            </a:pPr>
+            <a:r>
+              <a:rPr lang="en-US" dirty="0">
+                <a:latin typeface="Calibri" charset="0"/>
+                <a:ea typeface="ＭＳ Ｐゴシック" charset="0"/>
+              </a:rPr>
+              <a:t>When working with BAM files, it is very common to want to examine a focused subset of the reference genome</a:t>
+            </a:r>
+          </a:p>
+          <a:p>
+            <a:pPr lvl="1">
+              <a:defRPr/>
+            </a:pPr>
+            <a:r>
+              <a:rPr lang="en-US" dirty="0">
+                <a:latin typeface="Calibri" charset="0"/>
+                <a:ea typeface="ＭＳ Ｐゴシック" charset="0"/>
+              </a:rPr>
+              <a:t>e.g. the exons of a gene</a:t>
+            </a:r>
+            <a:br>
+              <a:rPr lang="en-US" dirty="0">
+                <a:latin typeface="Calibri" charset="0"/>
+                <a:ea typeface="ＭＳ Ｐゴシック" charset="0"/>
+              </a:rPr>
+            </a:br>
+            <a:endParaRPr lang="en-US" dirty="0">
+              <a:latin typeface="Calibri" charset="0"/>
+              <a:ea typeface="ＭＳ Ｐゴシック" charset="0"/>
+            </a:endParaRPr>
+          </a:p>
+          <a:p>
+            <a:pPr>
+              <a:defRPr/>
+            </a:pPr>
+            <a:r>
+              <a:rPr lang="en-US" dirty="0">
+                <a:latin typeface="Calibri" charset="0"/>
+                <a:ea typeface="ＭＳ Ｐゴシック" charset="0"/>
+              </a:rPr>
+              <a:t>These subsets are commonly specified in ‘BED’ files</a:t>
+            </a:r>
+          </a:p>
+          <a:p>
+            <a:pPr lvl="1">
+              <a:defRPr/>
+            </a:pPr>
+            <a:r>
+              <a:rPr lang="en-US" dirty="0">
+                <a:latin typeface="Calibri" charset="0"/>
+                <a:ea typeface="ＭＳ Ｐゴシック" charset="0"/>
+                <a:hlinkClick r:id="rId2"/>
+              </a:rPr>
+              <a:t>https://genome.ucsc.edu/FAQ/FAQformat.html#format1</a:t>
+            </a:r>
+            <a:br>
+              <a:rPr lang="en-US" dirty="0">
+                <a:latin typeface="Calibri" charset="0"/>
+                <a:ea typeface="ＭＳ Ｐゴシック" charset="0"/>
+              </a:rPr>
+            </a:br>
+            <a:endParaRPr lang="en-US" dirty="0">
+              <a:latin typeface="Calibri" charset="0"/>
+              <a:ea typeface="ＭＳ Ｐゴシック" charset="0"/>
+            </a:endParaRPr>
+          </a:p>
+          <a:p>
+            <a:pPr>
+              <a:defRPr/>
+            </a:pPr>
+            <a:r>
+              <a:rPr lang="en-US" dirty="0">
+                <a:latin typeface="Calibri" charset="0"/>
+                <a:ea typeface="ＭＳ Ｐゴシック" charset="0"/>
+              </a:rPr>
+              <a:t>Many BAM manipulation tools accept regions of interest in BED format</a:t>
+            </a:r>
+            <a:br>
+              <a:rPr lang="en-US" dirty="0">
+                <a:latin typeface="Calibri" charset="0"/>
+                <a:ea typeface="ＭＳ Ｐゴシック" charset="0"/>
+              </a:rPr>
+            </a:br>
+            <a:endParaRPr lang="en-US" dirty="0">
+              <a:latin typeface="Calibri" charset="0"/>
+              <a:ea typeface="ＭＳ Ｐゴシック" charset="0"/>
+            </a:endParaRPr>
+          </a:p>
+          <a:p>
+            <a:pPr>
+              <a:defRPr/>
+            </a:pPr>
+            <a:r>
+              <a:rPr lang="en-US" dirty="0">
+                <a:latin typeface="Calibri" charset="0"/>
+                <a:ea typeface="ＭＳ Ｐゴシック" charset="0"/>
+              </a:rPr>
+              <a:t>Basic BED format (tab separated):</a:t>
+            </a:r>
+          </a:p>
+          <a:p>
+            <a:pPr lvl="1">
+              <a:defRPr/>
+            </a:pPr>
+            <a:r>
+              <a:rPr lang="en-US" dirty="0">
+                <a:latin typeface="Calibri" charset="0"/>
+                <a:ea typeface="ＭＳ Ｐゴシック" charset="0"/>
+              </a:rPr>
+              <a:t>Chromosome name, start position, end position (BED3)</a:t>
+            </a:r>
+          </a:p>
+          <a:p>
+            <a:pPr lvl="1">
+              <a:defRPr/>
+            </a:pPr>
+            <a:r>
+              <a:rPr lang="en-US" dirty="0">
+                <a:latin typeface="Calibri" charset="0"/>
+                <a:ea typeface="ＭＳ Ｐゴシック" charset="0"/>
+              </a:rPr>
+              <a:t>Coordinates in BED format are 0 based</a:t>
+            </a:r>
+          </a:p>
+        </p:txBody>
+      </p:sp>
+    </p:spTree>
+    <p:extLst>
+      <p:ext uri="{BB962C8B-B14F-4D97-AF65-F5344CB8AC3E}">
+        <p14:creationId xmlns:p14="http://schemas.microsoft.com/office/powerpoint/2010/main" val="1626480069"/>
+      </p:ext>
+    </p:extLst>
+  </p:cSld>
+  <p:clrMapOvr>
+    <a:masterClrMapping/>
+  </p:clrMapOvr>
+</p:sld>
+</file>
+
+<file path=ppt/slides/slide17.xml><?xml version="1.0" encoding="utf-8"?>
+<p:sld xmlns:a="http://schemas.openxmlformats.org/drawingml/2006/main" xmlns:r="http://schemas.openxmlformats.org/officeDocument/2006/relationships" xmlns:p="http://schemas.openxmlformats.org/presentationml/2006/main">
+  <p:cSld>
+    <p:spTree>
+      <p:nvGrpSpPr>
+        <p:cNvPr id="1" name=""/>
+        <p:cNvGrpSpPr/>
+        <p:nvPr/>
+      </p:nvGrpSpPr>
+      <p:grpSpPr>
+        <a:xfrm>
+          <a:off x="0" y="0"/>
+          <a:ext cx="0" cy="0"/>
+          <a:chOff x="0" y="0"/>
+          <a:chExt cx="0" cy="0"/>
+        </a:xfrm>
+      </p:grpSpPr>
+      <p:sp>
+        <p:nvSpPr>
+          <p:cNvPr id="29697" name="Title 1"/>
+          <p:cNvSpPr>
+            <a:spLocks noGrp="1"/>
+          </p:cNvSpPr>
+          <p:nvPr>
+            <p:ph type="title"/>
+          </p:nvPr>
+        </p:nvSpPr>
+        <p:spPr>
+          <a:xfrm>
+            <a:off x="1676400" y="-17463"/>
+            <a:ext cx="8839200" cy="1143001"/>
+          </a:xfrm>
+        </p:spPr>
+        <p:txBody>
+          <a:bodyPr/>
+          <a:lstStyle/>
+          <a:p>
+            <a:pPr algn="ctr"/>
+            <a:r>
+              <a:rPr lang="en-US" b="1" dirty="0">
+                <a:latin typeface="Calibri" charset="0"/>
+                <a:ea typeface="ＭＳ Ｐゴシック" charset="0"/>
+              </a:rPr>
+              <a:t>Introduction to the BED format</a:t>
+            </a:r>
+          </a:p>
+        </p:txBody>
+      </p:sp>
+      <p:sp>
+        <p:nvSpPr>
+          <p:cNvPr id="28674" name="Content Placeholder 2"/>
+          <p:cNvSpPr>
+            <a:spLocks noGrp="1"/>
+          </p:cNvSpPr>
+          <p:nvPr>
+            <p:ph idx="1"/>
+          </p:nvPr>
+        </p:nvSpPr>
+        <p:spPr>
+          <a:xfrm>
             <a:off x="883578" y="1106112"/>
             <a:ext cx="10726220" cy="1973974"/>
           </a:xfrm>
@@ -8191,7 +8365,7 @@
 </p:sld>
 </file>
 
-<file path=ppt/slides/slide17.xml><?xml version="1.0" encoding="utf-8"?>
+<file path=ppt/slides/slide18.xml><?xml version="1.0" encoding="utf-8"?>
 <p:sld xmlns:a="http://schemas.openxmlformats.org/drawingml/2006/main" xmlns:r="http://schemas.openxmlformats.org/officeDocument/2006/relationships" xmlns:p="http://schemas.openxmlformats.org/presentationml/2006/main">
   <p:cSld>
     <p:spTree>
@@ -8414,7 +8588,7 @@
 </p:sld>
 </file>
 
-<file path=ppt/slides/slide18.xml><?xml version="1.0" encoding="utf-8"?>
+<file path=ppt/slides/slide19.xml><?xml version="1.0" encoding="utf-8"?>
 <p:sld xmlns:a="http://schemas.openxmlformats.org/drawingml/2006/main" xmlns:r="http://schemas.openxmlformats.org/officeDocument/2006/relationships" xmlns:p="http://schemas.openxmlformats.org/presentationml/2006/main">
   <p:cSld>
     <p:spTree>
@@ -8547,7 +8721,70 @@
 </p:sld>
 </file>
 
-<file path=ppt/slides/slide19.xml><?xml version="1.0" encoding="utf-8"?>
+<file path=ppt/slides/slide2.xml><?xml version="1.0" encoding="utf-8"?>
+<p:sld xmlns:a="http://schemas.openxmlformats.org/drawingml/2006/main" xmlns:r="http://schemas.openxmlformats.org/officeDocument/2006/relationships" xmlns:p="http://schemas.openxmlformats.org/presentationml/2006/main">
+  <p:cSld>
+    <p:spTree>
+      <p:nvGrpSpPr>
+        <p:cNvPr id="1" name="Shape 74"/>
+        <p:cNvGrpSpPr/>
+        <p:nvPr/>
+      </p:nvGrpSpPr>
+      <p:grpSpPr>
+        <a:xfrm>
+          <a:off x="0" y="0"/>
+          <a:ext cx="0" cy="0"/>
+          <a:chOff x="0" y="0"/>
+          <a:chExt cx="0" cy="0"/>
+        </a:xfrm>
+      </p:grpSpPr>
+      <p:pic>
+        <p:nvPicPr>
+          <p:cNvPr id="2" name="Google Shape;131;p2">
+            <a:extLst>
+              <a:ext uri="{FF2B5EF4-FFF2-40B4-BE49-F238E27FC236}">
+                <a16:creationId xmlns:a16="http://schemas.microsoft.com/office/drawing/2014/main" id="{C83889DB-B6C1-2B24-D45E-E543AA713EE3}"/>
+              </a:ext>
+            </a:extLst>
+          </p:cNvPr>
+          <p:cNvPicPr preferRelativeResize="0"/>
+          <p:nvPr/>
+        </p:nvPicPr>
+        <p:blipFill rotWithShape="1">
+          <a:blip r:embed="rId3">
+            <a:alphaModFix/>
+          </a:blip>
+          <a:srcRect/>
+          <a:stretch/>
+        </p:blipFill>
+        <p:spPr>
+          <a:xfrm>
+            <a:off x="4095918" y="260648"/>
+            <a:ext cx="4000165" cy="6003046"/>
+          </a:xfrm>
+          <a:prstGeom prst="rect">
+            <a:avLst/>
+          </a:prstGeom>
+          <a:noFill/>
+          <a:ln>
+            <a:noFill/>
+          </a:ln>
+        </p:spPr>
+      </p:pic>
+    </p:spTree>
+    <p:extLst>
+      <p:ext uri="{BB962C8B-B14F-4D97-AF65-F5344CB8AC3E}">
+        <p14:creationId xmlns:p14="http://schemas.microsoft.com/office/powerpoint/2010/main" val="3046145578"/>
+      </p:ext>
+    </p:extLst>
+  </p:cSld>
+  <p:clrMapOvr>
+    <a:masterClrMapping/>
+  </p:clrMapOvr>
+</p:sld>
+</file>
+
+<file path=ppt/slides/slide20.xml><?xml version="1.0" encoding="utf-8"?>
 <p:sld xmlns:a="http://schemas.openxmlformats.org/drawingml/2006/main" xmlns:r="http://schemas.openxmlformats.org/officeDocument/2006/relationships" xmlns:p="http://schemas.openxmlformats.org/presentationml/2006/main">
   <p:cSld>
     <p:spTree>
@@ -11971,70 +12208,7 @@
 </p:sld>
 </file>
 
-<file path=ppt/slides/slide2.xml><?xml version="1.0" encoding="utf-8"?>
-<p:sld xmlns:a="http://schemas.openxmlformats.org/drawingml/2006/main" xmlns:r="http://schemas.openxmlformats.org/officeDocument/2006/relationships" xmlns:p="http://schemas.openxmlformats.org/presentationml/2006/main">
-  <p:cSld>
-    <p:spTree>
-      <p:nvGrpSpPr>
-        <p:cNvPr id="1" name="Shape 74"/>
-        <p:cNvGrpSpPr/>
-        <p:nvPr/>
-      </p:nvGrpSpPr>
-      <p:grpSpPr>
-        <a:xfrm>
-          <a:off x="0" y="0"/>
-          <a:ext cx="0" cy="0"/>
-          <a:chOff x="0" y="0"/>
-          <a:chExt cx="0" cy="0"/>
-        </a:xfrm>
-      </p:grpSpPr>
-      <p:pic>
-        <p:nvPicPr>
-          <p:cNvPr id="2" name="Google Shape;131;p2">
-            <a:extLst>
-              <a:ext uri="{FF2B5EF4-FFF2-40B4-BE49-F238E27FC236}">
-                <a16:creationId xmlns:a16="http://schemas.microsoft.com/office/drawing/2014/main" id="{C83889DB-B6C1-2B24-D45E-E543AA713EE3}"/>
-              </a:ext>
-            </a:extLst>
-          </p:cNvPr>
-          <p:cNvPicPr preferRelativeResize="0"/>
-          <p:nvPr/>
-        </p:nvPicPr>
-        <p:blipFill rotWithShape="1">
-          <a:blip r:embed="rId3">
-            <a:alphaModFix/>
-          </a:blip>
-          <a:srcRect/>
-          <a:stretch/>
-        </p:blipFill>
-        <p:spPr>
-          <a:xfrm>
-            <a:off x="4095918" y="260648"/>
-            <a:ext cx="4000165" cy="6003046"/>
-          </a:xfrm>
-          <a:prstGeom prst="rect">
-            <a:avLst/>
-          </a:prstGeom>
-          <a:noFill/>
-          <a:ln>
-            <a:noFill/>
-          </a:ln>
-        </p:spPr>
-      </p:pic>
-    </p:spTree>
-    <p:extLst>
-      <p:ext uri="{BB962C8B-B14F-4D97-AF65-F5344CB8AC3E}">
-        <p14:creationId xmlns:p14="http://schemas.microsoft.com/office/powerpoint/2010/main" val="3046145578"/>
-      </p:ext>
-    </p:extLst>
-  </p:cSld>
-  <p:clrMapOvr>
-    <a:masterClrMapping/>
-  </p:clrMapOvr>
-</p:sld>
-</file>
-
-<file path=ppt/slides/slide20.xml><?xml version="1.0" encoding="utf-8"?>
+<file path=ppt/slides/slide21.xml><?xml version="1.0" encoding="utf-8"?>
 <p:sld xmlns:a="http://schemas.openxmlformats.org/drawingml/2006/main" xmlns:r="http://schemas.openxmlformats.org/officeDocument/2006/relationships" xmlns:p="http://schemas.openxmlformats.org/presentationml/2006/main">
   <p:cSld>
     <p:spTree>
@@ -12415,7 +12589,7 @@
 </p:sld>
 </file>
 
-<file path=ppt/slides/slide21.xml><?xml version="1.0" encoding="utf-8"?>
+<file path=ppt/slides/slide22.xml><?xml version="1.0" encoding="utf-8"?>
 <p:sld xmlns:a="http://schemas.openxmlformats.org/drawingml/2006/main" xmlns:r="http://schemas.openxmlformats.org/officeDocument/2006/relationships" xmlns:p="http://schemas.openxmlformats.org/presentationml/2006/main">
   <p:cSld>
     <p:spTree>
@@ -12572,180 +12746,6 @@
     <p:extLst>
       <p:ext uri="{BB962C8B-B14F-4D97-AF65-F5344CB8AC3E}">
         <p14:creationId xmlns:p14="http://schemas.microsoft.com/office/powerpoint/2010/main" val="979874508"/>
-      </p:ext>
-    </p:extLst>
-  </p:cSld>
-  <p:clrMapOvr>
-    <a:masterClrMapping/>
-  </p:clrMapOvr>
-</p:sld>
-</file>
-
-<file path=ppt/slides/slide22.xml><?xml version="1.0" encoding="utf-8"?>
-<p:sld xmlns:a="http://schemas.openxmlformats.org/drawingml/2006/main" xmlns:r="http://schemas.openxmlformats.org/officeDocument/2006/relationships" xmlns:p="http://schemas.openxmlformats.org/presentationml/2006/main">
-  <p:cSld>
-    <p:spTree>
-      <p:nvGrpSpPr>
-        <p:cNvPr id="1" name=""/>
-        <p:cNvGrpSpPr/>
-        <p:nvPr/>
-      </p:nvGrpSpPr>
-      <p:grpSpPr>
-        <a:xfrm>
-          <a:off x="0" y="0"/>
-          <a:ext cx="0" cy="0"/>
-          <a:chOff x="0" y="0"/>
-          <a:chExt cx="0" cy="0"/>
-        </a:xfrm>
-      </p:grpSpPr>
-      <p:sp>
-        <p:nvSpPr>
-          <p:cNvPr id="31745" name="Title 1"/>
-          <p:cNvSpPr>
-            <a:spLocks noGrp="1"/>
-          </p:cNvSpPr>
-          <p:nvPr>
-            <p:ph type="title"/>
-          </p:nvPr>
-        </p:nvSpPr>
-        <p:spPr>
-          <a:xfrm>
-            <a:off x="1676400" y="-26988"/>
-            <a:ext cx="8839200" cy="1143001"/>
-          </a:xfrm>
-        </p:spPr>
-        <p:txBody>
-          <a:bodyPr/>
-          <a:lstStyle/>
-          <a:p>
-            <a:pPr algn="ctr"/>
-            <a:r>
-              <a:rPr lang="en-US" b="1" dirty="0">
-                <a:latin typeface="Calibri" charset="0"/>
-                <a:ea typeface="ＭＳ Ｐゴシック" charset="0"/>
-              </a:rPr>
-              <a:t>How should I sort my SAM/BAM file?</a:t>
-            </a:r>
-          </a:p>
-        </p:txBody>
-      </p:sp>
-      <p:sp>
-        <p:nvSpPr>
-          <p:cNvPr id="31746" name="Content Placeholder 2"/>
-          <p:cNvSpPr>
-            <a:spLocks noGrp="1"/>
-          </p:cNvSpPr>
-          <p:nvPr>
-            <p:ph idx="1"/>
-          </p:nvPr>
-        </p:nvSpPr>
-        <p:spPr>
-          <a:xfrm>
-            <a:off x="1676400" y="1116013"/>
-            <a:ext cx="8839200" cy="4949825"/>
-          </a:xfrm>
-        </p:spPr>
-        <p:txBody>
-          <a:bodyPr/>
-          <a:lstStyle/>
-          <a:p>
-            <a:r>
-              <a:rPr lang="en-US" dirty="0">
-                <a:latin typeface="Calibri" charset="0"/>
-                <a:ea typeface="ＭＳ Ｐゴシック" charset="0"/>
-              </a:rPr>
-              <a:t>Generally BAM files are sorted by </a:t>
-            </a:r>
-            <a:r>
-              <a:rPr lang="en-US" u="sng" dirty="0">
-                <a:latin typeface="Calibri" charset="0"/>
-                <a:ea typeface="ＭＳ Ｐゴシック" charset="0"/>
-              </a:rPr>
-              <a:t>position</a:t>
-            </a:r>
-          </a:p>
-          <a:p>
-            <a:pPr lvl="1"/>
-            <a:r>
-              <a:rPr lang="en-US" dirty="0">
-                <a:latin typeface="Calibri" charset="0"/>
-                <a:ea typeface="ＭＳ Ｐゴシック" charset="0"/>
-              </a:rPr>
-              <a:t>This is for performance reasons</a:t>
-            </a:r>
-          </a:p>
-          <a:p>
-            <a:pPr lvl="2"/>
-            <a:r>
-              <a:rPr lang="en-US" dirty="0">
-                <a:latin typeface="Calibri" charset="0"/>
-                <a:ea typeface="ＭＳ Ｐゴシック" charset="0"/>
-              </a:rPr>
-              <a:t>When sorted and indexed, arbitrary positions in a massive BAM file can be accessed rapidly</a:t>
-            </a:r>
-            <a:br>
-              <a:rPr lang="en-US" dirty="0">
-                <a:latin typeface="Calibri" charset="0"/>
-                <a:ea typeface="ＭＳ Ｐゴシック" charset="0"/>
-              </a:rPr>
-            </a:br>
-            <a:endParaRPr lang="en-US" dirty="0">
-              <a:latin typeface="Calibri" charset="0"/>
-              <a:ea typeface="ＭＳ Ｐゴシック" charset="0"/>
-            </a:endParaRPr>
-          </a:p>
-          <a:p>
-            <a:r>
-              <a:rPr lang="en-US" dirty="0">
-                <a:latin typeface="Calibri" charset="0"/>
-                <a:ea typeface="ＭＳ Ｐゴシック" charset="0"/>
-              </a:rPr>
-              <a:t>Certain tools require a BAM sorted by </a:t>
-            </a:r>
-            <a:r>
-              <a:rPr lang="en-US" u="sng" dirty="0">
-                <a:latin typeface="Calibri" charset="0"/>
-                <a:ea typeface="ＭＳ Ｐゴシック" charset="0"/>
-              </a:rPr>
-              <a:t>read name</a:t>
-            </a:r>
-          </a:p>
-          <a:p>
-            <a:pPr lvl="1"/>
-            <a:r>
-              <a:rPr lang="en-US" dirty="0">
-                <a:latin typeface="Calibri" charset="0"/>
-                <a:ea typeface="ＭＳ Ｐゴシック" charset="0"/>
-              </a:rPr>
-              <a:t>Usually this is when we need to easily identify both reads of a pair</a:t>
-            </a:r>
-          </a:p>
-          <a:p>
-            <a:pPr lvl="2"/>
-            <a:r>
-              <a:rPr lang="en-US" dirty="0">
-                <a:latin typeface="Calibri" charset="0"/>
-                <a:ea typeface="ＭＳ Ｐゴシック" charset="0"/>
-              </a:rPr>
-              <a:t>The insert size between two reads may be large</a:t>
-            </a:r>
-          </a:p>
-          <a:p>
-            <a:pPr lvl="2"/>
-            <a:r>
-              <a:rPr lang="en-US" dirty="0">
-                <a:latin typeface="Calibri" charset="0"/>
-                <a:ea typeface="ＭＳ Ｐゴシック" charset="0"/>
-              </a:rPr>
-              <a:t>In fusion detection we are interested in read pairs that map to different chromosomes</a:t>
-            </a:r>
-          </a:p>
-        </p:txBody>
-      </p:sp>
-    </p:spTree>
-    <p:extLst>
-      <p:ext uri="{BB962C8B-B14F-4D97-AF65-F5344CB8AC3E}">
-        <p14:creationId xmlns:p14="http://schemas.microsoft.com/office/powerpoint/2010/main" val="2140373384"/>
       </p:ext>
     </p:extLst>
   </p:cSld>
@@ -13312,14 +13312,14 @@
           </a:ln>
           <a:extLst>
             <a:ext uri="{909E8E84-426E-40dd-AFC4-6F175D3DCCD1}">
-              <a14:hiddenFill xmlns:a14="http://schemas.microsoft.com/office/drawing/2010/main" xmlns="">
+              <a14:hiddenFill xmlns="" xmlns:a14="http://schemas.microsoft.com/office/drawing/2010/main">
                 <a:solidFill>
                   <a:srgbClr val="FFFFFF"/>
                 </a:solidFill>
               </a14:hiddenFill>
             </a:ext>
             <a:ext uri="{91240B29-F687-4f45-9708-019B960494DF}">
-              <a14:hiddenLine xmlns:a14="http://schemas.microsoft.com/office/drawing/2010/main" xmlns="" w="9525">
+              <a14:hiddenLine xmlns="" xmlns:a14="http://schemas.microsoft.com/office/drawing/2010/main" w="9525">
                 <a:solidFill>
                   <a:srgbClr val="000000"/>
                 </a:solidFill>
@@ -13808,14 +13808,14 @@
           </a:ln>
           <a:extLst>
             <a:ext uri="{909E8E84-426E-40dd-AFC4-6F175D3DCCD1}">
-              <a14:hiddenFill xmlns="" xmlns:a14="http://schemas.microsoft.com/office/drawing/2010/main">
+              <a14:hiddenFill xmlns:a14="http://schemas.microsoft.com/office/drawing/2010/main" xmlns="">
                 <a:solidFill>
                   <a:srgbClr val="FFFFFF"/>
                 </a:solidFill>
               </a14:hiddenFill>
             </a:ext>
             <a:ext uri="{91240B29-F687-4f45-9708-019B960494DF}">
-              <a14:hiddenLine xmlns="" xmlns:a14="http://schemas.microsoft.com/office/drawing/2010/main" w="9525">
+              <a14:hiddenLine xmlns:a14="http://schemas.microsoft.com/office/drawing/2010/main" xmlns="" w="9525">
                 <a:solidFill>
                   <a:srgbClr val="000000"/>
                 </a:solidFill>
@@ -13849,14 +13849,14 @@
           </a:ln>
           <a:extLst>
             <a:ext uri="{909E8E84-426E-40dd-AFC4-6F175D3DCCD1}">
-              <a14:hiddenFill xmlns="" xmlns:a14="http://schemas.microsoft.com/office/drawing/2010/main">
+              <a14:hiddenFill xmlns:a14="http://schemas.microsoft.com/office/drawing/2010/main" xmlns="">
                 <a:solidFill>
                   <a:srgbClr val="FFFFFF"/>
                 </a:solidFill>
               </a14:hiddenFill>
             </a:ext>
             <a:ext uri="{91240B29-F687-4f45-9708-019B960494DF}">
-              <a14:hiddenLine xmlns="" xmlns:a14="http://schemas.microsoft.com/office/drawing/2010/main" w="9525">
+              <a14:hiddenLine xmlns:a14="http://schemas.microsoft.com/office/drawing/2010/main" xmlns="" w="9525">
                 <a:solidFill>
                   <a:srgbClr val="000000"/>
                 </a:solidFill>
@@ -14010,14 +14010,14 @@
           </a:ln>
           <a:extLst>
             <a:ext uri="{909E8E84-426E-40dd-AFC4-6F175D3DCCD1}">
-              <a14:hiddenFill xmlns="" xmlns:a14="http://schemas.microsoft.com/office/drawing/2010/main">
+              <a14:hiddenFill xmlns:a14="http://schemas.microsoft.com/office/drawing/2010/main" xmlns="">
                 <a:solidFill>
                   <a:srgbClr val="FFFFFF"/>
                 </a:solidFill>
               </a14:hiddenFill>
             </a:ext>
             <a:ext uri="{91240B29-F687-4f45-9708-019B960494DF}">
-              <a14:hiddenLine xmlns="" xmlns:a14="http://schemas.microsoft.com/office/drawing/2010/main" w="9525">
+              <a14:hiddenLine xmlns:a14="http://schemas.microsoft.com/office/drawing/2010/main" xmlns="" w="9525">
                 <a:solidFill>
                   <a:srgbClr val="000000"/>
                 </a:solidFill>
@@ -14914,14 +14914,14 @@
           </a:ln>
           <a:extLst>
             <a:ext uri="{909E8E84-426E-40dd-AFC4-6F175D3DCCD1}">
-              <a14:hiddenFill xmlns:a14="http://schemas.microsoft.com/office/drawing/2010/main" xmlns="">
+              <a14:hiddenFill xmlns="" xmlns:a14="http://schemas.microsoft.com/office/drawing/2010/main">
                 <a:solidFill>
                   <a:srgbClr val="FFFFFF"/>
                 </a:solidFill>
               </a14:hiddenFill>
             </a:ext>
             <a:ext uri="{91240B29-F687-4f45-9708-019B960494DF}">
-              <a14:hiddenLine xmlns:a14="http://schemas.microsoft.com/office/drawing/2010/main" xmlns="" w="9525">
+              <a14:hiddenLine xmlns="" xmlns:a14="http://schemas.microsoft.com/office/drawing/2010/main" w="9525">
                 <a:solidFill>
                   <a:srgbClr val="000000"/>
                 </a:solidFill>
@@ -14966,7 +14966,7 @@
                 <a:latin typeface="Calibri" charset="0"/>
                 <a:ea typeface="ＭＳ Ｐゴシック" charset="0"/>
               </a:rPr>
-              <a:t>A BAM file is divided in header and alignment sections</a:t>
+              <a:t>A BAM file is divided into header and alignment sections</a:t>
             </a:r>
           </a:p>
         </p:txBody>
@@ -14999,14 +14999,14 @@
           </a:ln>
           <a:extLst>
             <a:ext uri="{909E8E84-426E-40dd-AFC4-6F175D3DCCD1}">
-              <a14:hiddenFill xmlns:a14="http://schemas.microsoft.com/office/drawing/2010/main" xmlns="">
+              <a14:hiddenFill xmlns="" xmlns:a14="http://schemas.microsoft.com/office/drawing/2010/main">
                 <a:solidFill>
                   <a:srgbClr val="FFFFFF"/>
                 </a:solidFill>
               </a14:hiddenFill>
             </a:ext>
             <a:ext uri="{91240B29-F687-4f45-9708-019B960494DF}">
-              <a14:hiddenLine xmlns:a14="http://schemas.microsoft.com/office/drawing/2010/main" xmlns="" w="9525">
+              <a14:hiddenLine xmlns="" xmlns:a14="http://schemas.microsoft.com/office/drawing/2010/main" w="9525">
                 <a:solidFill>
                   <a:srgbClr val="000000"/>
                 </a:solidFill>
@@ -15133,7 +15133,7 @@
             <a:pPr eaLnBrk="1" hangingPunct="1"/>
             <a:r>
               <a:rPr lang="en-US" sz="2800" dirty="0"/>
-              <a:t>Example SAM/BAM header section (abbreviated)</a:t>
+              <a:t>Example SAM/BAM header section</a:t>
             </a:r>
           </a:p>
         </p:txBody>
@@ -15183,7 +15183,7 @@
             </a:ln>
             <a:extLst>
               <a:ext uri="{C572A759-6A51-4108-AA02-DFA0A04FC94B}">
-                <ma14:wrappingTextBoxFlag xmlns:ma14="http://schemas.microsoft.com/office/mac/drawingml/2011/main" xmlns:a14="http://schemas.microsoft.com/office/drawing/2010/main" xmlns:m="http://schemas.openxmlformats.org/officeDocument/2006/math" xmlns="" val="1"/>
+                <ma14:wrappingTextBoxFlag xmlns="" xmlns:m="http://schemas.openxmlformats.org/officeDocument/2006/math" xmlns:a14="http://schemas.microsoft.com/office/drawing/2010/main" xmlns:ma14="http://schemas.microsoft.com/office/mac/drawingml/2011/main" val="1"/>
               </a:ext>
             </a:extLst>
           </p:spPr>
@@ -15301,7 +15301,7 @@
             </a:ln>
             <a:extLst>
               <a:ext uri="{C572A759-6A51-4108-AA02-DFA0A04FC94B}">
-                <ma14:wrappingTextBoxFlag xmlns:ma14="http://schemas.microsoft.com/office/mac/drawingml/2011/main" xmlns:a14="http://schemas.microsoft.com/office/drawing/2010/main" xmlns:m="http://schemas.openxmlformats.org/officeDocument/2006/math" xmlns="" val="1"/>
+                <ma14:wrappingTextBoxFlag xmlns="" xmlns:m="http://schemas.openxmlformats.org/officeDocument/2006/math" xmlns:a14="http://schemas.microsoft.com/office/drawing/2010/main" xmlns:ma14="http://schemas.microsoft.com/office/mac/drawingml/2011/main" val="1"/>
               </a:ext>
             </a:extLst>
           </p:spPr>
@@ -15394,7 +15394,7 @@
             </a:ln>
             <a:extLst>
               <a:ext uri="{C572A759-6A51-4108-AA02-DFA0A04FC94B}">
-                <ma14:wrappingTextBoxFlag xmlns:ma14="http://schemas.microsoft.com/office/mac/drawingml/2011/main" xmlns:a14="http://schemas.microsoft.com/office/drawing/2010/main" xmlns:m="http://schemas.openxmlformats.org/officeDocument/2006/math" xmlns="" val="1"/>
+                <ma14:wrappingTextBoxFlag xmlns="" xmlns:m="http://schemas.openxmlformats.org/officeDocument/2006/math" xmlns:a14="http://schemas.microsoft.com/office/drawing/2010/main" xmlns:ma14="http://schemas.microsoft.com/office/mac/drawingml/2011/main" val="1"/>
               </a:ext>
             </a:extLst>
           </p:spPr>
@@ -15479,7 +15479,7 @@
             </a:ln>
             <a:extLst>
               <a:ext uri="{C572A759-6A51-4108-AA02-DFA0A04FC94B}">
-                <ma14:wrappingTextBoxFlag xmlns:ma14="http://schemas.microsoft.com/office/mac/drawingml/2011/main" xmlns:a14="http://schemas.microsoft.com/office/drawing/2010/main" xmlns:m="http://schemas.openxmlformats.org/officeDocument/2006/math" xmlns="" val="1"/>
+                <ma14:wrappingTextBoxFlag xmlns="" xmlns:m="http://schemas.openxmlformats.org/officeDocument/2006/math" xmlns:a14="http://schemas.microsoft.com/office/drawing/2010/main" xmlns:ma14="http://schemas.microsoft.com/office/mac/drawingml/2011/main" val="1"/>
               </a:ext>
             </a:extLst>
           </p:spPr>
@@ -15570,38 +15570,6 @@
           <a:chExt cx="0" cy="0"/>
         </a:xfrm>
       </p:grpSpPr>
-      <p:sp>
-        <p:nvSpPr>
-          <p:cNvPr id="23553" name="Title 1"/>
-          <p:cNvSpPr>
-            <a:spLocks noGrp="1"/>
-          </p:cNvSpPr>
-          <p:nvPr>
-            <p:ph type="title"/>
-          </p:nvPr>
-        </p:nvSpPr>
-        <p:spPr>
-          <a:xfrm>
-            <a:off x="203200" y="94721"/>
-            <a:ext cx="10287000" cy="814388"/>
-          </a:xfrm>
-        </p:spPr>
-        <p:txBody>
-          <a:bodyPr>
-            <a:normAutofit fontScale="90000"/>
-          </a:bodyPr>
-          <a:lstStyle/>
-          <a:p>
-            <a:r>
-              <a:rPr lang="en-US" dirty="0">
-                <a:latin typeface="Calibri" charset="0"/>
-                <a:ea typeface="ＭＳ Ｐゴシック" charset="0"/>
-              </a:rPr>
-              <a:t>A BAM file is divided in header and alignment sections</a:t>
-            </a:r>
-          </a:p>
-        </p:txBody>
-      </p:sp>
       <p:pic>
         <p:nvPicPr>
           <p:cNvPr id="23554" name="Content Placeholder 3" descr="BAM File Example Alignment Section.png"/>
@@ -15632,7 +15600,51 @@
       </p:pic>
       <p:sp>
         <p:nvSpPr>
-          <p:cNvPr id="23557" name="TextBox 6"/>
+          <p:cNvPr id="4" name="Title 1">
+            <a:extLst>
+              <a:ext uri="{FF2B5EF4-FFF2-40B4-BE49-F238E27FC236}">
+                <a16:creationId xmlns:a16="http://schemas.microsoft.com/office/drawing/2014/main" id="{AA3BCF3F-2A3F-B49B-F6CB-AF4C4F0FF7F1}"/>
+              </a:ext>
+            </a:extLst>
+          </p:cNvPr>
+          <p:cNvSpPr>
+            <a:spLocks noGrp="1"/>
+          </p:cNvSpPr>
+          <p:nvPr>
+            <p:ph type="title"/>
+          </p:nvPr>
+        </p:nvSpPr>
+        <p:spPr>
+          <a:xfrm>
+            <a:off x="203200" y="177801"/>
+            <a:ext cx="11277600" cy="609601"/>
+          </a:xfrm>
+        </p:spPr>
+        <p:txBody>
+          <a:bodyPr>
+            <a:normAutofit/>
+          </a:bodyPr>
+          <a:lstStyle/>
+          <a:p>
+            <a:r>
+              <a:rPr lang="en-US" sz="3600" dirty="0">
+                <a:latin typeface="Calibri" charset="0"/>
+                <a:ea typeface="ＭＳ Ｐゴシック" charset="0"/>
+              </a:rPr>
+              <a:t>A BAM file is divided into header and alignment sections</a:t>
+            </a:r>
+          </a:p>
+        </p:txBody>
+      </p:sp>
+      <p:sp>
+        <p:nvSpPr>
+          <p:cNvPr id="5" name="TextBox 5">
+            <a:extLst>
+              <a:ext uri="{FF2B5EF4-FFF2-40B4-BE49-F238E27FC236}">
+                <a16:creationId xmlns:a16="http://schemas.microsoft.com/office/drawing/2014/main" id="{104F2E86-3A8C-0A19-9330-638D9885072D}"/>
+              </a:ext>
+            </a:extLst>
+          </p:cNvPr>
           <p:cNvSpPr txBox="1">
             <a:spLocks noChangeArrowheads="1"/>
           </p:cNvSpPr>
@@ -15640,8 +15652,8 @@
         </p:nvSpPr>
         <p:spPr bwMode="auto">
           <a:xfrm>
-            <a:off x="0" y="909109"/>
-            <a:ext cx="12801600" cy="584775"/>
+            <a:off x="286330" y="902855"/>
+            <a:ext cx="10423951" cy="523220"/>
           </a:xfrm>
           <a:prstGeom prst="rect">
             <a:avLst/>
@@ -15652,14 +15664,14 @@
           </a:ln>
           <a:extLst>
             <a:ext uri="{909E8E84-426E-40dd-AFC4-6F175D3DCCD1}">
-              <a14:hiddenFill xmlns:a14="http://schemas.microsoft.com/office/drawing/2010/main" xmlns="">
+              <a14:hiddenFill xmlns="" xmlns:a14="http://schemas.microsoft.com/office/drawing/2010/main">
                 <a:solidFill>
                   <a:srgbClr val="FFFFFF"/>
                 </a:solidFill>
               </a14:hiddenFill>
             </a:ext>
             <a:ext uri="{91240B29-F687-4f45-9708-019B960494DF}">
-              <a14:hiddenLine xmlns:a14="http://schemas.microsoft.com/office/drawing/2010/main" xmlns="" w="9525">
+              <a14:hiddenLine xmlns="" xmlns:a14="http://schemas.microsoft.com/office/drawing/2010/main" w="9525">
                 <a:solidFill>
                   <a:srgbClr val="000000"/>
                 </a:solidFill>
@@ -15785,8 +15797,8 @@
           <a:p>
             <a:pPr eaLnBrk="1" hangingPunct="1"/>
             <a:r>
-              <a:rPr lang="en-US" sz="3200" dirty="0"/>
-              <a:t>Example SAM/BAM alignment section (only 10 alignments shown)</a:t>
+              <a:rPr lang="en-US" sz="2800" dirty="0"/>
+              <a:t>Example SAM/BAM alignment section</a:t>
             </a:r>
           </a:p>
         </p:txBody>
@@ -16132,14 +16144,14 @@
           </a:ln>
           <a:extLst>
             <a:ext uri="{909E8E84-426E-40dd-AFC4-6F175D3DCCD1}">
-              <a14:hiddenFill xmlns="" xmlns:a14="http://schemas.microsoft.com/office/drawing/2010/main">
+              <a14:hiddenFill xmlns:a14="http://schemas.microsoft.com/office/drawing/2010/main" xmlns="">
                 <a:solidFill>
                   <a:srgbClr val="FFFFFF"/>
                 </a:solidFill>
               </a14:hiddenFill>
             </a:ext>
             <a:ext uri="{91240B29-F687-4f45-9708-019B960494DF}">
-              <a14:hiddenLine xmlns="" xmlns:a14="http://schemas.microsoft.com/office/drawing/2010/main" w="9525">
+              <a14:hiddenLine xmlns:a14="http://schemas.microsoft.com/office/drawing/2010/main" xmlns="" w="9525">
                 <a:solidFill>
                   <a:srgbClr val="000000"/>
                 </a:solidFill>
